--- a/01 Вводная.pptx
+++ b/01 Вводная.pptx
@@ -1362,13 +1362,6 @@
         </dgm:presLayoutVars>
       </dgm:prSet>
       <dgm:spPr/>
-      <dgm:t>
-        <a:bodyPr/>
-        <a:lstStyle/>
-        <a:p>
-          <a:endParaRPr lang="en-US"/>
-        </a:p>
-      </dgm:t>
     </dgm:pt>
     <dgm:pt modelId="{EE47AC5B-8DB2-4F98-B9E9-AEEC12DC69BC}" type="pres">
       <dgm:prSet presAssocID="{33DA85CC-C8C1-43EF-8C45-26F822E244E0}" presName="composite" presStyleCnt="0"/>
@@ -1382,13 +1375,6 @@
         </dgm:presLayoutVars>
       </dgm:prSet>
       <dgm:spPr/>
-      <dgm:t>
-        <a:bodyPr/>
-        <a:lstStyle/>
-        <a:p>
-          <a:endParaRPr lang="en-US"/>
-        </a:p>
-      </dgm:t>
     </dgm:pt>
     <dgm:pt modelId="{0E16D050-44FE-4156-8B2D-A23AE444185A}" type="pres">
       <dgm:prSet presAssocID="{33DA85CC-C8C1-43EF-8C45-26F822E244E0}" presName="descendantText" presStyleLbl="alignAcc1" presStyleIdx="0" presStyleCnt="3">
@@ -1397,13 +1383,6 @@
         </dgm:presLayoutVars>
       </dgm:prSet>
       <dgm:spPr/>
-      <dgm:t>
-        <a:bodyPr/>
-        <a:lstStyle/>
-        <a:p>
-          <a:endParaRPr lang="en-US"/>
-        </a:p>
-      </dgm:t>
     </dgm:pt>
     <dgm:pt modelId="{306BD2C7-781A-4FBD-9155-F444442ECC6A}" type="pres">
       <dgm:prSet presAssocID="{930CAA5F-184D-45E2-BB4F-1A0EAA24A7A0}" presName="sp" presStyleCnt="0"/>
@@ -1421,13 +1400,6 @@
         </dgm:presLayoutVars>
       </dgm:prSet>
       <dgm:spPr/>
-      <dgm:t>
-        <a:bodyPr/>
-        <a:lstStyle/>
-        <a:p>
-          <a:endParaRPr lang="en-US"/>
-        </a:p>
-      </dgm:t>
     </dgm:pt>
     <dgm:pt modelId="{E938CE3A-588A-4815-A7AA-11D55B322E45}" type="pres">
       <dgm:prSet presAssocID="{CDD907B4-8684-475E-B13E-DE2454BB43DD}" presName="descendantText" presStyleLbl="alignAcc1" presStyleIdx="1" presStyleCnt="3" custScaleY="218008" custLinFactNeighborY="75">
@@ -1436,13 +1408,6 @@
         </dgm:presLayoutVars>
       </dgm:prSet>
       <dgm:spPr/>
-      <dgm:t>
-        <a:bodyPr/>
-        <a:lstStyle/>
-        <a:p>
-          <a:endParaRPr lang="en-US"/>
-        </a:p>
-      </dgm:t>
     </dgm:pt>
     <dgm:pt modelId="{09E8C553-C2CF-43CC-9C5C-34DF05E2C507}" type="pres">
       <dgm:prSet presAssocID="{642EB0DE-CE53-4DBC-BBA2-2FCB9DDC17DC}" presName="sp" presStyleCnt="0"/>
@@ -1460,13 +1425,6 @@
         </dgm:presLayoutVars>
       </dgm:prSet>
       <dgm:spPr/>
-      <dgm:t>
-        <a:bodyPr/>
-        <a:lstStyle/>
-        <a:p>
-          <a:endParaRPr lang="en-US"/>
-        </a:p>
-      </dgm:t>
     </dgm:pt>
     <dgm:pt modelId="{E01477AD-823F-4116-8943-EFCFD9D85C09}" type="pres">
       <dgm:prSet presAssocID="{712EA1EA-C5CE-4CC5-BB9F-FE32B5A39161}" presName="descendantText" presStyleLbl="alignAcc1" presStyleIdx="2" presStyleCnt="3">
@@ -1475,39 +1433,32 @@
         </dgm:presLayoutVars>
       </dgm:prSet>
       <dgm:spPr/>
-      <dgm:t>
-        <a:bodyPr/>
-        <a:lstStyle/>
-        <a:p>
-          <a:endParaRPr lang="en-US"/>
-        </a:p>
-      </dgm:t>
     </dgm:pt>
   </dgm:ptLst>
   <dgm:cxnLst>
-    <dgm:cxn modelId="{53EB9FD8-622B-43D4-B369-376FB807A720}" type="presOf" srcId="{CAA5ABD3-6F33-47B8-9E4B-3489093D0548}" destId="{E938CE3A-588A-4815-A7AA-11D55B322E45}" srcOrd="0" destOrd="1" presId="urn:microsoft.com/office/officeart/2005/8/layout/chevron2"/>
-    <dgm:cxn modelId="{2339CA49-7A51-4797-A3FB-A4A5D5B95AF7}" srcId="{CDD907B4-8684-475E-B13E-DE2454BB43DD}" destId="{401475BF-B5B9-48BA-9764-A1BD19572FF7}" srcOrd="3" destOrd="0" parTransId="{A91083E1-538C-434C-B358-4C0ECC6E06A7}" sibTransId="{BB819AE2-0A2F-46F5-8A6D-5E5BCE904111}"/>
-    <dgm:cxn modelId="{9CC54051-CF60-4160-A9A6-59DF2ACFB94C}" srcId="{33DA85CC-C8C1-43EF-8C45-26F822E244E0}" destId="{53DF7F9D-DB43-4951-9014-618119F9F0EA}" srcOrd="0" destOrd="0" parTransId="{25C540A2-2C24-4CC5-A56D-52CB54E45C76}" sibTransId="{92AF93FE-C903-4D2B-B262-CC2C08C96191}"/>
+    <dgm:cxn modelId="{C4EEF805-8D5E-4006-876C-5E1722C4836E}" type="presOf" srcId="{F0FF2C1E-6019-4AB3-B9A8-215974E2ED14}" destId="{E01477AD-823F-4116-8943-EFCFD9D85C09}" srcOrd="0" destOrd="0" presId="urn:microsoft.com/office/officeart/2005/8/layout/chevron2"/>
     <dgm:cxn modelId="{6B7E7B06-73F5-4432-A17D-2FED229689C8}" type="presOf" srcId="{712EA1EA-C5CE-4CC5-BB9F-FE32B5A39161}" destId="{3BCDCF85-29D4-43C2-8A55-AD7D6E53B9EA}" srcOrd="0" destOrd="0" presId="urn:microsoft.com/office/officeart/2005/8/layout/chevron2"/>
-    <dgm:cxn modelId="{EA352B7A-BBB8-4D4E-836F-9C8FB51A931C}" type="presOf" srcId="{CDD907B4-8684-475E-B13E-DE2454BB43DD}" destId="{D7ACB144-B80F-49DD-B08D-B48AFD88AEE8}" srcOrd="0" destOrd="0" presId="urn:microsoft.com/office/officeart/2005/8/layout/chevron2"/>
-    <dgm:cxn modelId="{C4EEF805-8D5E-4006-876C-5E1722C4836E}" type="presOf" srcId="{F0FF2C1E-6019-4AB3-B9A8-215974E2ED14}" destId="{E01477AD-823F-4116-8943-EFCFD9D85C09}" srcOrd="0" destOrd="0" presId="urn:microsoft.com/office/officeart/2005/8/layout/chevron2"/>
+    <dgm:cxn modelId="{EE29B911-8FCD-4E57-ABE5-356FA7AC2331}" srcId="{7F24A95A-BD3D-477B-9A87-AA05237FB27E}" destId="{CDD907B4-8684-475E-B13E-DE2454BB43DD}" srcOrd="1" destOrd="0" parTransId="{6BE31C1F-DD99-442D-911B-82DF4AA06FB9}" sibTransId="{642EB0DE-CE53-4DBC-BBA2-2FCB9DDC17DC}"/>
     <dgm:cxn modelId="{6FA00813-B4C5-44FD-BAF4-2F13016990BD}" srcId="{CDD907B4-8684-475E-B13E-DE2454BB43DD}" destId="{CAA5ABD3-6F33-47B8-9E4B-3489093D0548}" srcOrd="1" destOrd="0" parTransId="{7D18059B-B7AC-448F-89A0-459BFFAFCC3A}" sibTransId="{98559AE4-B65D-4783-83F0-116C868F0130}"/>
-    <dgm:cxn modelId="{EE29B911-8FCD-4E57-ABE5-356FA7AC2331}" srcId="{7F24A95A-BD3D-477B-9A87-AA05237FB27E}" destId="{CDD907B4-8684-475E-B13E-DE2454BB43DD}" srcOrd="1" destOrd="0" parTransId="{6BE31C1F-DD99-442D-911B-82DF4AA06FB9}" sibTransId="{642EB0DE-CE53-4DBC-BBA2-2FCB9DDC17DC}"/>
-    <dgm:cxn modelId="{9B733179-1A28-4F18-AB02-B90E2E821746}" type="presOf" srcId="{7F24A95A-BD3D-477B-9A87-AA05237FB27E}" destId="{741BD4BE-63AC-4A58-A6CE-F3C01422B129}" srcOrd="0" destOrd="0" presId="urn:microsoft.com/office/officeart/2005/8/layout/chevron2"/>
+    <dgm:cxn modelId="{2AAB8219-2E2F-4D13-B0FC-1C8FBA5C98AA}" type="presOf" srcId="{DFBED665-2127-4B4A-8A1E-EA8DE03B42A1}" destId="{E01477AD-823F-4116-8943-EFCFD9D85C09}" srcOrd="0" destOrd="1" presId="urn:microsoft.com/office/officeart/2005/8/layout/chevron2"/>
+    <dgm:cxn modelId="{D41D9D24-394D-4A15-AAB6-E4F1CD8A7335}" type="presOf" srcId="{401475BF-B5B9-48BA-9764-A1BD19572FF7}" destId="{E938CE3A-588A-4815-A7AA-11D55B322E45}" srcOrd="0" destOrd="3" presId="urn:microsoft.com/office/officeart/2005/8/layout/chevron2"/>
     <dgm:cxn modelId="{6296872D-5D8B-48A7-A8D7-E63BA6471F3B}" srcId="{7F24A95A-BD3D-477B-9A87-AA05237FB27E}" destId="{712EA1EA-C5CE-4CC5-BB9F-FE32B5A39161}" srcOrd="2" destOrd="0" parTransId="{021E70A6-805A-42ED-9BD8-166072F312F2}" sibTransId="{795AC885-D37A-405E-BF44-A8B4BF8CC755}"/>
-    <dgm:cxn modelId="{903F9E77-87FB-4037-B49D-F66ADC54633B}" type="presOf" srcId="{53DF7F9D-DB43-4951-9014-618119F9F0EA}" destId="{0E16D050-44FE-4156-8B2D-A23AE444185A}" srcOrd="0" destOrd="0" presId="urn:microsoft.com/office/officeart/2005/8/layout/chevron2"/>
-    <dgm:cxn modelId="{B1B5DA4C-4994-4782-A77D-D6BF9970CA8B}" srcId="{CDD907B4-8684-475E-B13E-DE2454BB43DD}" destId="{A3F53BC3-6274-4B44-8EBB-39933214E832}" srcOrd="0" destOrd="0" parTransId="{E485AA78-F1E8-43FD-9BFD-B6A9D40B5A51}" sibTransId="{B88E413C-8EFD-4E63-B211-C97F7CD04F7C}"/>
-    <dgm:cxn modelId="{F8FBEAB5-0516-4AEA-831B-80B0D1E96C93}" srcId="{712EA1EA-C5CE-4CC5-BB9F-FE32B5A39161}" destId="{DFBED665-2127-4B4A-8A1E-EA8DE03B42A1}" srcOrd="1" destOrd="0" parTransId="{49066BDF-365B-4559-9FC9-4DD7B3E39433}" sibTransId="{075A326A-3ACA-4DDB-B7FB-784585847C8A}"/>
-    <dgm:cxn modelId="{C74FFAD1-861D-4F77-9051-7B961237D0E4}" srcId="{33DA85CC-C8C1-43EF-8C45-26F822E244E0}" destId="{7C274598-9F30-4954-B964-204D15166CD2}" srcOrd="1" destOrd="0" parTransId="{A10F4D55-49B6-4B79-8FDF-79D36C6FCD05}" sibTransId="{E62BC12A-13C2-42EA-9426-2AABA2DDBA3F}"/>
+    <dgm:cxn modelId="{CC325C35-1DB1-4CF4-BAB9-9233B30B5ED6}" type="presOf" srcId="{33DA85CC-C8C1-43EF-8C45-26F822E244E0}" destId="{EE427024-6269-43A0-B8BA-5C25787CFDEC}" srcOrd="0" destOrd="0" presId="urn:microsoft.com/office/officeart/2005/8/layout/chevron2"/>
     <dgm:cxn modelId="{829F8B3D-6CCF-4A1C-A99B-35E20EC6BD10}" srcId="{CDD907B4-8684-475E-B13E-DE2454BB43DD}" destId="{121F8553-38CA-49C4-A657-A177D63CCF51}" srcOrd="2" destOrd="0" parTransId="{52E877EF-B97F-4DF2-8F06-1020327183A3}" sibTransId="{2421EEC3-4D9F-49E5-ADF6-0902348397C1}"/>
-    <dgm:cxn modelId="{9A8280DB-BC50-490E-9EBB-0AF6EAF18F62}" type="presOf" srcId="{7C274598-9F30-4954-B964-204D15166CD2}" destId="{0E16D050-44FE-4156-8B2D-A23AE444185A}" srcOrd="0" destOrd="1" presId="urn:microsoft.com/office/officeart/2005/8/layout/chevron2"/>
-    <dgm:cxn modelId="{2AAB8219-2E2F-4D13-B0FC-1C8FBA5C98AA}" type="presOf" srcId="{DFBED665-2127-4B4A-8A1E-EA8DE03B42A1}" destId="{E01477AD-823F-4116-8943-EFCFD9D85C09}" srcOrd="0" destOrd="1" presId="urn:microsoft.com/office/officeart/2005/8/layout/chevron2"/>
-    <dgm:cxn modelId="{CC325C35-1DB1-4CF4-BAB9-9233B30B5ED6}" type="presOf" srcId="{33DA85CC-C8C1-43EF-8C45-26F822E244E0}" destId="{EE427024-6269-43A0-B8BA-5C25787CFDEC}" srcOrd="0" destOrd="0" presId="urn:microsoft.com/office/officeart/2005/8/layout/chevron2"/>
-    <dgm:cxn modelId="{010D9F83-0190-4968-AE54-DD39112D683F}" srcId="{7F24A95A-BD3D-477B-9A87-AA05237FB27E}" destId="{33DA85CC-C8C1-43EF-8C45-26F822E244E0}" srcOrd="0" destOrd="0" parTransId="{A96BFEA5-1B83-407C-916A-A6BC61C2B6BD}" sibTransId="{930CAA5F-184D-45E2-BB4F-1A0EAA24A7A0}"/>
-    <dgm:cxn modelId="{D41D9D24-394D-4A15-AAB6-E4F1CD8A7335}" type="presOf" srcId="{401475BF-B5B9-48BA-9764-A1BD19572FF7}" destId="{E938CE3A-588A-4815-A7AA-11D55B322E45}" srcOrd="0" destOrd="3" presId="urn:microsoft.com/office/officeart/2005/8/layout/chevron2"/>
     <dgm:cxn modelId="{6EDFD263-E686-4361-89A6-E3443260665D}" type="presOf" srcId="{121F8553-38CA-49C4-A657-A177D63CCF51}" destId="{E938CE3A-588A-4815-A7AA-11D55B322E45}" srcOrd="0" destOrd="2" presId="urn:microsoft.com/office/officeart/2005/8/layout/chevron2"/>
     <dgm:cxn modelId="{29218068-E020-46A0-8E52-4CF8018AC439}" srcId="{712EA1EA-C5CE-4CC5-BB9F-FE32B5A39161}" destId="{F0FF2C1E-6019-4AB3-B9A8-215974E2ED14}" srcOrd="0" destOrd="0" parTransId="{F3CE04ED-B678-4A5B-A208-30EBCD44BBA3}" sibTransId="{181C0792-C90B-456C-95B0-B1715411DE59}"/>
+    <dgm:cxn modelId="{2339CA49-7A51-4797-A3FB-A4A5D5B95AF7}" srcId="{CDD907B4-8684-475E-B13E-DE2454BB43DD}" destId="{401475BF-B5B9-48BA-9764-A1BD19572FF7}" srcOrd="3" destOrd="0" parTransId="{A91083E1-538C-434C-B358-4C0ECC6E06A7}" sibTransId="{BB819AE2-0A2F-46F5-8A6D-5E5BCE904111}"/>
+    <dgm:cxn modelId="{B1B5DA4C-4994-4782-A77D-D6BF9970CA8B}" srcId="{CDD907B4-8684-475E-B13E-DE2454BB43DD}" destId="{A3F53BC3-6274-4B44-8EBB-39933214E832}" srcOrd="0" destOrd="0" parTransId="{E485AA78-F1E8-43FD-9BFD-B6A9D40B5A51}" sibTransId="{B88E413C-8EFD-4E63-B211-C97F7CD04F7C}"/>
+    <dgm:cxn modelId="{9CC54051-CF60-4160-A9A6-59DF2ACFB94C}" srcId="{33DA85CC-C8C1-43EF-8C45-26F822E244E0}" destId="{53DF7F9D-DB43-4951-9014-618119F9F0EA}" srcOrd="0" destOrd="0" parTransId="{25C540A2-2C24-4CC5-A56D-52CB54E45C76}" sibTransId="{92AF93FE-C903-4D2B-B262-CC2C08C96191}"/>
+    <dgm:cxn modelId="{903F9E77-87FB-4037-B49D-F66ADC54633B}" type="presOf" srcId="{53DF7F9D-DB43-4951-9014-618119F9F0EA}" destId="{0E16D050-44FE-4156-8B2D-A23AE444185A}" srcOrd="0" destOrd="0" presId="urn:microsoft.com/office/officeart/2005/8/layout/chevron2"/>
+    <dgm:cxn modelId="{9B733179-1A28-4F18-AB02-B90E2E821746}" type="presOf" srcId="{7F24A95A-BD3D-477B-9A87-AA05237FB27E}" destId="{741BD4BE-63AC-4A58-A6CE-F3C01422B129}" srcOrd="0" destOrd="0" presId="urn:microsoft.com/office/officeart/2005/8/layout/chevron2"/>
+    <dgm:cxn modelId="{EA352B7A-BBB8-4D4E-836F-9C8FB51A931C}" type="presOf" srcId="{CDD907B4-8684-475E-B13E-DE2454BB43DD}" destId="{D7ACB144-B80F-49DD-B08D-B48AFD88AEE8}" srcOrd="0" destOrd="0" presId="urn:microsoft.com/office/officeart/2005/8/layout/chevron2"/>
+    <dgm:cxn modelId="{010D9F83-0190-4968-AE54-DD39112D683F}" srcId="{7F24A95A-BD3D-477B-9A87-AA05237FB27E}" destId="{33DA85CC-C8C1-43EF-8C45-26F822E244E0}" srcOrd="0" destOrd="0" parTransId="{A96BFEA5-1B83-407C-916A-A6BC61C2B6BD}" sibTransId="{930CAA5F-184D-45E2-BB4F-1A0EAA24A7A0}"/>
+    <dgm:cxn modelId="{F8FBEAB5-0516-4AEA-831B-80B0D1E96C93}" srcId="{712EA1EA-C5CE-4CC5-BB9F-FE32B5A39161}" destId="{DFBED665-2127-4B4A-8A1E-EA8DE03B42A1}" srcOrd="1" destOrd="0" parTransId="{49066BDF-365B-4559-9FC9-4DD7B3E39433}" sibTransId="{075A326A-3ACA-4DDB-B7FB-784585847C8A}"/>
     <dgm:cxn modelId="{50BD99BC-3036-4BFE-9CD7-B34BC77B49E7}" type="presOf" srcId="{A3F53BC3-6274-4B44-8EBB-39933214E832}" destId="{E938CE3A-588A-4815-A7AA-11D55B322E45}" srcOrd="0" destOrd="0" presId="urn:microsoft.com/office/officeart/2005/8/layout/chevron2"/>
+    <dgm:cxn modelId="{C74FFAD1-861D-4F77-9051-7B961237D0E4}" srcId="{33DA85CC-C8C1-43EF-8C45-26F822E244E0}" destId="{7C274598-9F30-4954-B964-204D15166CD2}" srcOrd="1" destOrd="0" parTransId="{A10F4D55-49B6-4B79-8FDF-79D36C6FCD05}" sibTransId="{E62BC12A-13C2-42EA-9426-2AABA2DDBA3F}"/>
+    <dgm:cxn modelId="{53EB9FD8-622B-43D4-B369-376FB807A720}" type="presOf" srcId="{CAA5ABD3-6F33-47B8-9E4B-3489093D0548}" destId="{E938CE3A-588A-4815-A7AA-11D55B322E45}" srcOrd="0" destOrd="1" presId="urn:microsoft.com/office/officeart/2005/8/layout/chevron2"/>
+    <dgm:cxn modelId="{9A8280DB-BC50-490E-9EBB-0AF6EAF18F62}" type="presOf" srcId="{7C274598-9F30-4954-B964-204D15166CD2}" destId="{0E16D050-44FE-4156-8B2D-A23AE444185A}" srcOrd="0" destOrd="1" presId="urn:microsoft.com/office/officeart/2005/8/layout/chevron2"/>
     <dgm:cxn modelId="{4478B3D9-92FF-4159-A7C4-5D068464E128}" type="presParOf" srcId="{741BD4BE-63AC-4A58-A6CE-F3C01422B129}" destId="{EE47AC5B-8DB2-4F98-B9E9-AEEC12DC69BC}" srcOrd="0" destOrd="0" presId="urn:microsoft.com/office/officeart/2005/8/layout/chevron2"/>
     <dgm:cxn modelId="{214A8FD5-8FF6-4F08-AB4D-EE18B2BA38C9}" type="presParOf" srcId="{EE47AC5B-8DB2-4F98-B9E9-AEEC12DC69BC}" destId="{EE427024-6269-43A0-B8BA-5C25787CFDEC}" srcOrd="0" destOrd="0" presId="urn:microsoft.com/office/officeart/2005/8/layout/chevron2"/>
     <dgm:cxn modelId="{C880E2A9-1499-4BCD-87DE-52B03426829E}" type="presParOf" srcId="{EE47AC5B-8DB2-4F98-B9E9-AEEC12DC69BC}" destId="{0E16D050-44FE-4156-8B2D-A23AE444185A}" srcOrd="1" destOrd="0" presId="urn:microsoft.com/office/officeart/2005/8/layout/chevron2"/>
@@ -1591,7 +1542,7 @@
         </a:bodyPr>
         <a:lstStyle/>
         <a:p>
-          <a:pPr lvl="0" algn="ctr" defTabSz="1066800">
+          <a:pPr marL="0" lvl="0" indent="0" algn="ctr" defTabSz="1066800">
             <a:lnSpc>
               <a:spcPct val="90000"/>
             </a:lnSpc>
@@ -1601,6 +1552,7 @@
             <a:spcAft>
               <a:spcPct val="35000"/>
             </a:spcAft>
+            <a:buNone/>
           </a:pPr>
           <a:r>
             <a:rPr lang="en-US" sz="2400" kern="1200" dirty="0">
@@ -1681,7 +1633,7 @@
             <a:spcAft>
               <a:spcPct val="15000"/>
             </a:spcAft>
-            <a:buChar char="••"/>
+            <a:buChar char="•"/>
           </a:pPr>
           <a:r>
             <a:rPr lang="ru-RU" sz="1300" b="1" kern="1200" dirty="0"/>
@@ -1700,7 +1652,7 @@
             <a:spcAft>
               <a:spcPct val="15000"/>
             </a:spcAft>
-            <a:buChar char="••"/>
+            <a:buChar char="•"/>
           </a:pPr>
           <a:r>
             <a:rPr lang="ru-RU" sz="1300" kern="1200" dirty="0"/>
@@ -1767,7 +1719,7 @@
         </a:bodyPr>
         <a:lstStyle/>
         <a:p>
-          <a:pPr lvl="0" algn="ctr" defTabSz="1066800">
+          <a:pPr marL="0" lvl="0" indent="0" algn="ctr" defTabSz="1066800">
             <a:lnSpc>
               <a:spcPct val="90000"/>
             </a:lnSpc>
@@ -1777,6 +1729,7 @@
             <a:spcAft>
               <a:spcPct val="35000"/>
             </a:spcAft>
+            <a:buNone/>
           </a:pPr>
           <a:r>
             <a:rPr lang="en-US" sz="2400" kern="1200" dirty="0">
@@ -1857,7 +1810,7 @@
             <a:spcAft>
               <a:spcPct val="15000"/>
             </a:spcAft>
-            <a:buChar char="••"/>
+            <a:buChar char="•"/>
           </a:pPr>
           <a:r>
             <a:rPr lang="ru-RU" sz="1300" b="1" kern="1200" dirty="0"/>
@@ -1876,7 +1829,7 @@
             <a:spcAft>
               <a:spcPct val="15000"/>
             </a:spcAft>
-            <a:buChar char="••"/>
+            <a:buChar char="•"/>
           </a:pPr>
           <a:r>
             <a:rPr lang="ru-RU" sz="1300" kern="1200" dirty="0"/>
@@ -1895,7 +1848,7 @@
             <a:spcAft>
               <a:spcPct val="15000"/>
             </a:spcAft>
-            <a:buChar char="••"/>
+            <a:buChar char="•"/>
           </a:pPr>
           <a:r>
             <a:rPr lang="ru-RU" sz="1300" kern="1200" dirty="0"/>
@@ -1914,7 +1867,7 @@
             <a:spcAft>
               <a:spcPct val="15000"/>
             </a:spcAft>
-            <a:buChar char="••"/>
+            <a:buChar char="•"/>
           </a:pPr>
           <a:endParaRPr lang="en-US" sz="1300" kern="1200" dirty="0"/>
         </a:p>
@@ -1979,7 +1932,7 @@
         </a:bodyPr>
         <a:lstStyle/>
         <a:p>
-          <a:pPr lvl="0" algn="ctr" defTabSz="1066800">
+          <a:pPr marL="0" lvl="0" indent="0" algn="ctr" defTabSz="1066800">
             <a:lnSpc>
               <a:spcPct val="90000"/>
             </a:lnSpc>
@@ -1989,6 +1942,7 @@
             <a:spcAft>
               <a:spcPct val="35000"/>
             </a:spcAft>
+            <a:buNone/>
           </a:pPr>
           <a:r>
             <a:rPr lang="en-US" sz="2400" kern="1200" dirty="0">
@@ -2069,7 +2023,7 @@
             <a:spcAft>
               <a:spcPct val="15000"/>
             </a:spcAft>
-            <a:buChar char="••"/>
+            <a:buChar char="•"/>
           </a:pPr>
           <a:r>
             <a:rPr lang="ru-RU" sz="1300" b="1" kern="1200" dirty="0"/>
@@ -2088,7 +2042,7 @@
             <a:spcAft>
               <a:spcPct val="15000"/>
             </a:spcAft>
-            <a:buChar char="••"/>
+            <a:buChar char="•"/>
           </a:pPr>
           <a:r>
             <a:rPr lang="ru-RU" sz="1300" kern="1200" dirty="0"/>
@@ -3478,7 +3432,7 @@
           <a:p>
             <a:fld id="{7BCC0CDB-5DE5-45F3-B3CC-EFEEA0C54124}" type="datetimeFigureOut">
               <a:rPr lang="ru-RU" smtClean="0"/>
-              <a:t>04.09.2018</a:t>
+              <a:t>04.09.2019</a:t>
             </a:fld>
             <a:endParaRPr lang="ru-RU"/>
           </a:p>
@@ -3876,7 +3830,7 @@
           <a:p>
             <a:fld id="{99894859-A4A7-4608-A4B1-EEBA573CF880}" type="datetimeFigureOut">
               <a:rPr lang="ru-RU" smtClean="0"/>
-              <a:t>04.09.2018</a:t>
+              <a:t>04.09.2019</a:t>
             </a:fld>
             <a:endParaRPr lang="ru-RU"/>
           </a:p>
@@ -4046,7 +4000,7 @@
           <a:p>
             <a:fld id="{99894859-A4A7-4608-A4B1-EEBA573CF880}" type="datetimeFigureOut">
               <a:rPr lang="ru-RU" smtClean="0"/>
-              <a:t>04.09.2018</a:t>
+              <a:t>04.09.2019</a:t>
             </a:fld>
             <a:endParaRPr lang="ru-RU"/>
           </a:p>
@@ -4226,7 +4180,7 @@
           <a:p>
             <a:fld id="{99894859-A4A7-4608-A4B1-EEBA573CF880}" type="datetimeFigureOut">
               <a:rPr lang="ru-RU" smtClean="0"/>
-              <a:t>04.09.2018</a:t>
+              <a:t>04.09.2019</a:t>
             </a:fld>
             <a:endParaRPr lang="ru-RU"/>
           </a:p>
@@ -4396,7 +4350,7 @@
           <a:p>
             <a:fld id="{99894859-A4A7-4608-A4B1-EEBA573CF880}" type="datetimeFigureOut">
               <a:rPr lang="ru-RU" smtClean="0"/>
-              <a:t>04.09.2018</a:t>
+              <a:t>04.09.2019</a:t>
             </a:fld>
             <a:endParaRPr lang="ru-RU"/>
           </a:p>
@@ -4640,7 +4594,7 @@
           <a:p>
             <a:fld id="{99894859-A4A7-4608-A4B1-EEBA573CF880}" type="datetimeFigureOut">
               <a:rPr lang="ru-RU" smtClean="0"/>
-              <a:t>04.09.2018</a:t>
+              <a:t>04.09.2019</a:t>
             </a:fld>
             <a:endParaRPr lang="ru-RU"/>
           </a:p>
@@ -4872,7 +4826,7 @@
           <a:p>
             <a:fld id="{99894859-A4A7-4608-A4B1-EEBA573CF880}" type="datetimeFigureOut">
               <a:rPr lang="ru-RU" smtClean="0"/>
-              <a:t>04.09.2018</a:t>
+              <a:t>04.09.2019</a:t>
             </a:fld>
             <a:endParaRPr lang="ru-RU"/>
           </a:p>
@@ -5239,7 +5193,7 @@
           <a:p>
             <a:fld id="{99894859-A4A7-4608-A4B1-EEBA573CF880}" type="datetimeFigureOut">
               <a:rPr lang="ru-RU" smtClean="0"/>
-              <a:t>04.09.2018</a:t>
+              <a:t>04.09.2019</a:t>
             </a:fld>
             <a:endParaRPr lang="ru-RU"/>
           </a:p>
@@ -5357,7 +5311,7 @@
           <a:p>
             <a:fld id="{99894859-A4A7-4608-A4B1-EEBA573CF880}" type="datetimeFigureOut">
               <a:rPr lang="ru-RU" smtClean="0"/>
-              <a:t>04.09.2018</a:t>
+              <a:t>04.09.2019</a:t>
             </a:fld>
             <a:endParaRPr lang="ru-RU"/>
           </a:p>
@@ -5452,7 +5406,7 @@
           <a:p>
             <a:fld id="{99894859-A4A7-4608-A4B1-EEBA573CF880}" type="datetimeFigureOut">
               <a:rPr lang="ru-RU" smtClean="0"/>
-              <a:t>04.09.2018</a:t>
+              <a:t>04.09.2019</a:t>
             </a:fld>
             <a:endParaRPr lang="ru-RU"/>
           </a:p>
@@ -5729,7 +5683,7 @@
           <a:p>
             <a:fld id="{99894859-A4A7-4608-A4B1-EEBA573CF880}" type="datetimeFigureOut">
               <a:rPr lang="ru-RU" smtClean="0"/>
-              <a:t>04.09.2018</a:t>
+              <a:t>04.09.2019</a:t>
             </a:fld>
             <a:endParaRPr lang="ru-RU"/>
           </a:p>
@@ -5986,7 +5940,7 @@
           <a:p>
             <a:fld id="{99894859-A4A7-4608-A4B1-EEBA573CF880}" type="datetimeFigureOut">
               <a:rPr lang="ru-RU" smtClean="0"/>
-              <a:t>04.09.2018</a:t>
+              <a:t>04.09.2019</a:t>
             </a:fld>
             <a:endParaRPr lang="ru-RU"/>
           </a:p>
@@ -6199,7 +6153,7 @@
           <a:p>
             <a:fld id="{99894859-A4A7-4608-A4B1-EEBA573CF880}" type="datetimeFigureOut">
               <a:rPr lang="ru-RU" smtClean="0"/>
-              <a:t>04.09.2018</a:t>
+              <a:t>04.09.2019</a:t>
             </a:fld>
             <a:endParaRPr lang="ru-RU"/>
           </a:p>
@@ -6656,21 +6610,6 @@
             </a:r>
           </a:p>
           <a:p>
-            <a:r>
-              <a:rPr lang="en-US" dirty="0">
-                <a:hlinkClick r:id="rId2"/>
-              </a:rPr>
-              <a:t>https://</a:t>
-            </a:r>
-            <a:r>
-              <a:rPr lang="en-US" dirty="0" smtClean="0">
-                <a:hlinkClick r:id="rId2"/>
-              </a:rPr>
-              <a:t>github.com/pelipas/OOP_2017</a:t>
-            </a:r>
-            <a:endParaRPr lang="ru-RU" dirty="0" smtClean="0"/>
-          </a:p>
-          <a:p>
             <a:endParaRPr lang="ru-RU" dirty="0"/>
           </a:p>
           <a:p>
@@ -6688,13 +6627,6 @@
   <p:clrMapOvr>
     <a:masterClrMapping/>
   </p:clrMapOvr>
-  <p:timing>
-    <p:tnLst>
-      <p:par>
-        <p:cTn id="1" dur="indefinite" restart="never" nodeType="tmRoot"/>
-      </p:par>
-    </p:tnLst>
-  </p:timing>
 </p:sld>
 </file>
 
@@ -6731,7 +6663,7 @@
           <a:lstStyle/>
           <a:p>
             <a:r>
-              <a:rPr lang="ru-RU" dirty="0" smtClean="0"/>
+              <a:rPr lang="ru-RU" dirty="0"/>
               <a:t>ДВС как абстракция</a:t>
             </a:r>
             <a:endParaRPr lang="en-US" dirty="0"/>
@@ -6775,14 +6707,14 @@
           <a:p>
             <a:pPr algn="ctr"/>
             <a:r>
-              <a:rPr lang="ru-RU" dirty="0" smtClean="0"/>
+              <a:rPr lang="ru-RU" dirty="0"/>
               <a:t>Двигатель</a:t>
             </a:r>
           </a:p>
           <a:p>
             <a:pPr algn="ctr"/>
             <a:r>
-              <a:rPr lang="ru-RU" dirty="0" smtClean="0"/>
+              <a:rPr lang="ru-RU" dirty="0"/>
               <a:t>внутреннего сгорания</a:t>
             </a:r>
           </a:p>
@@ -6825,7 +6757,7 @@
           <a:p>
             <a:pPr algn="ctr"/>
             <a:r>
-              <a:rPr lang="ru-RU" dirty="0" smtClean="0"/>
+              <a:rPr lang="ru-RU" dirty="0"/>
               <a:t>Механическая энергия</a:t>
             </a:r>
             <a:endParaRPr lang="en-US" dirty="0"/>
@@ -6869,7 +6801,7 @@
           <a:p>
             <a:pPr algn="ctr"/>
             <a:r>
-              <a:rPr lang="ru-RU" dirty="0" smtClean="0"/>
+              <a:rPr lang="ru-RU" dirty="0"/>
               <a:t>Продукты сгорания </a:t>
             </a:r>
             <a:endParaRPr lang="en-US" dirty="0"/>
@@ -6913,7 +6845,7 @@
           <a:p>
             <a:pPr algn="ctr"/>
             <a:r>
-              <a:rPr lang="ru-RU" dirty="0" smtClean="0"/>
+              <a:rPr lang="ru-RU" dirty="0"/>
               <a:t>Избыточное тепло</a:t>
             </a:r>
             <a:endParaRPr lang="en-US" dirty="0"/>
@@ -6957,7 +6889,7 @@
           <a:p>
             <a:pPr algn="ctr"/>
             <a:r>
-              <a:rPr lang="ru-RU" dirty="0" smtClean="0"/>
+              <a:rPr lang="ru-RU" dirty="0"/>
               <a:t>Топливо</a:t>
             </a:r>
             <a:endParaRPr lang="en-US" dirty="0"/>
@@ -7001,7 +6933,7 @@
           <a:p>
             <a:pPr algn="ctr"/>
             <a:r>
-              <a:rPr lang="ru-RU" dirty="0" smtClean="0"/>
+              <a:rPr lang="ru-RU" dirty="0"/>
               <a:t>Окислитель</a:t>
             </a:r>
             <a:endParaRPr lang="en-US" dirty="0"/>
@@ -7045,7 +6977,7 @@
           <a:p>
             <a:pPr algn="ctr"/>
             <a:r>
-              <a:rPr lang="ru-RU" dirty="0" smtClean="0"/>
+              <a:rPr lang="ru-RU" dirty="0"/>
               <a:t>Управляющий сигнал</a:t>
             </a:r>
             <a:endParaRPr lang="en-US" dirty="0"/>
@@ -7062,13 +6994,6 @@
   <p:clrMapOvr>
     <a:masterClrMapping/>
   </p:clrMapOvr>
-  <p:timing>
-    <p:tnLst>
-      <p:par>
-        <p:cTn id="1" dur="indefinite" restart="never" nodeType="tmRoot"/>
-      </p:par>
-    </p:tnLst>
-  </p:timing>
 </p:sld>
 </file>
 
@@ -7105,7 +7030,7 @@
           <a:lstStyle/>
           <a:p>
             <a:r>
-              <a:rPr lang="ru-RU" dirty="0" smtClean="0"/>
+              <a:rPr lang="ru-RU" dirty="0"/>
               <a:t>Объекты и классы</a:t>
             </a:r>
             <a:endParaRPr lang="en-US" dirty="0"/>
@@ -7179,7 +7104,7 @@
           <a:p>
             <a:pPr algn="ctr"/>
             <a:r>
-              <a:rPr lang="ru-RU" dirty="0" smtClean="0"/>
+              <a:rPr lang="ru-RU" dirty="0"/>
               <a:t>Объект (конкретный экземпляр)</a:t>
             </a:r>
             <a:endParaRPr lang="en-US" dirty="0"/>
@@ -7252,7 +7177,7 @@
           <a:p>
             <a:pPr algn="ctr"/>
             <a:r>
-              <a:rPr lang="ru-RU" dirty="0" smtClean="0"/>
+              <a:rPr lang="ru-RU" dirty="0"/>
               <a:t>Класс (шаблон, по которому строится объект)</a:t>
             </a:r>
             <a:endParaRPr lang="en-US" dirty="0"/>
@@ -7269,13 +7194,6 @@
   <p:clrMapOvr>
     <a:masterClrMapping/>
   </p:clrMapOvr>
-  <p:timing>
-    <p:tnLst>
-      <p:par>
-        <p:cTn id="1" dur="indefinite" restart="never" nodeType="tmRoot"/>
-      </p:par>
-    </p:tnLst>
-  </p:timing>
 </p:sld>
 </file>
 
@@ -7312,7 +7230,7 @@
           <a:lstStyle/>
           <a:p>
             <a:r>
-              <a:rPr lang="ru-RU" dirty="0" smtClean="0"/>
+              <a:rPr lang="ru-RU" dirty="0"/>
               <a:t>Наследование. Иерархия.</a:t>
             </a:r>
             <a:endParaRPr lang="en-US" dirty="0"/>
@@ -7337,95 +7255,95 @@
           <a:lstStyle/>
           <a:p>
             <a:r>
-              <a:rPr lang="ru-RU" dirty="0" smtClean="0"/>
+              <a:rPr lang="ru-RU" dirty="0"/>
               <a:t>Обратим внимание, что под представленную абстракцию подходят различные классы двигателей</a:t>
             </a:r>
           </a:p>
           <a:p>
             <a:pPr lvl="1"/>
             <a:r>
-              <a:rPr lang="ru-RU" dirty="0" smtClean="0"/>
+              <a:rPr lang="ru-RU" dirty="0"/>
               <a:t>Бензиновые (карбюраторные, </a:t>
             </a:r>
             <a:r>
-              <a:rPr lang="ru-RU" dirty="0" err="1" smtClean="0"/>
+              <a:rPr lang="ru-RU" dirty="0" err="1"/>
               <a:t>инжекторные</a:t>
             </a:r>
             <a:r>
-              <a:rPr lang="ru-RU" dirty="0" smtClean="0"/>
+              <a:rPr lang="ru-RU" dirty="0"/>
               <a:t>)</a:t>
             </a:r>
           </a:p>
           <a:p>
             <a:pPr lvl="1"/>
             <a:r>
-              <a:rPr lang="ru-RU" dirty="0" smtClean="0"/>
+              <a:rPr lang="ru-RU" dirty="0"/>
               <a:t>Дизельные</a:t>
             </a:r>
           </a:p>
           <a:p>
             <a:pPr lvl="1"/>
             <a:r>
-              <a:rPr lang="ru-RU" dirty="0" smtClean="0"/>
+              <a:rPr lang="ru-RU" dirty="0"/>
               <a:t>Газотурбинные</a:t>
             </a:r>
           </a:p>
           <a:p>
             <a:pPr lvl="1"/>
             <a:r>
-              <a:rPr lang="ru-RU" dirty="0" smtClean="0"/>
+              <a:rPr lang="ru-RU" dirty="0"/>
               <a:t>Паровые и т.п.</a:t>
             </a:r>
           </a:p>
           <a:p>
             <a:r>
-              <a:rPr lang="ru-RU" dirty="0" smtClean="0"/>
+              <a:rPr lang="ru-RU" dirty="0"/>
               <a:t>Они будут сохранять общий интерфейс, при этом могут иметь совершенно разную реализацию. </a:t>
             </a:r>
           </a:p>
           <a:p>
             <a:r>
-              <a:rPr lang="ru-RU" dirty="0" smtClean="0"/>
+              <a:rPr lang="ru-RU" dirty="0"/>
               <a:t>При этом говорят, что конкретный двигатель является </a:t>
             </a:r>
             <a:r>
-              <a:rPr lang="ru-RU" b="1" dirty="0" smtClean="0"/>
+              <a:rPr lang="ru-RU" b="1" dirty="0"/>
               <a:t>наследником </a:t>
             </a:r>
             <a:r>
-              <a:rPr lang="ru-RU" dirty="0" smtClean="0"/>
+              <a:rPr lang="ru-RU" dirty="0"/>
               <a:t>(или потомком)</a:t>
             </a:r>
             <a:r>
-              <a:rPr lang="ru-RU" b="1" dirty="0" smtClean="0"/>
+              <a:rPr lang="ru-RU" b="1" dirty="0"/>
               <a:t> </a:t>
             </a:r>
             <a:r>
-              <a:rPr lang="ru-RU" dirty="0" smtClean="0"/>
+              <a:rPr lang="ru-RU" dirty="0"/>
               <a:t>абстрактного.</a:t>
             </a:r>
           </a:p>
           <a:p>
             <a:pPr lvl="1"/>
             <a:r>
-              <a:rPr lang="ru-RU" dirty="0" smtClean="0"/>
+              <a:rPr lang="ru-RU" dirty="0"/>
               <a:t>Интерфейс, как мы видим, наследуется полностью</a:t>
             </a:r>
           </a:p>
           <a:p>
             <a:pPr lvl="1"/>
             <a:r>
-              <a:rPr lang="ru-RU" dirty="0" smtClean="0"/>
+              <a:rPr lang="ru-RU" dirty="0"/>
               <a:t>Реализация может наследоваться (общие для всех потомков свойства могут наследоваться от предка), а может переопределяться наследником. </a:t>
             </a:r>
           </a:p>
           <a:p>
             <a:r>
-              <a:rPr lang="ru-RU" dirty="0" smtClean="0"/>
+              <a:rPr lang="ru-RU" dirty="0"/>
               <a:t>Предки и потомки образуют </a:t>
             </a:r>
             <a:r>
-              <a:rPr lang="ru-RU" b="1" dirty="0" smtClean="0"/>
+              <a:rPr lang="ru-RU" b="1" dirty="0"/>
               <a:t>иерархию</a:t>
             </a:r>
           </a:p>
@@ -7441,13 +7359,6 @@
   <p:clrMapOvr>
     <a:masterClrMapping/>
   </p:clrMapOvr>
-  <p:timing>
-    <p:tnLst>
-      <p:par>
-        <p:cTn id="1" dur="indefinite" restart="never" nodeType="tmRoot"/>
-      </p:par>
-    </p:tnLst>
-  </p:timing>
 </p:sld>
 </file>
 
@@ -7484,7 +7395,7 @@
           <a:lstStyle/>
           <a:p>
             <a:r>
-              <a:rPr lang="ru-RU" dirty="0" smtClean="0"/>
+              <a:rPr lang="ru-RU" dirty="0"/>
               <a:t>Иерархия ДВС</a:t>
             </a:r>
             <a:endParaRPr lang="en-US" dirty="0"/>
@@ -7528,14 +7439,14 @@
           <a:p>
             <a:pPr algn="ctr"/>
             <a:r>
-              <a:rPr lang="ru-RU" dirty="0" smtClean="0"/>
+              <a:rPr lang="ru-RU" dirty="0"/>
               <a:t>Двигатель</a:t>
             </a:r>
           </a:p>
           <a:p>
             <a:pPr algn="ctr"/>
             <a:r>
-              <a:rPr lang="ru-RU" dirty="0" smtClean="0"/>
+              <a:rPr lang="ru-RU" dirty="0"/>
               <a:t>внутреннего сгорания</a:t>
             </a:r>
           </a:p>
@@ -7578,7 +7489,7 @@
           <a:p>
             <a:pPr algn="ctr"/>
             <a:r>
-              <a:rPr lang="ru-RU" dirty="0" smtClean="0"/>
+              <a:rPr lang="ru-RU" dirty="0"/>
               <a:t>Дизельный двигатель</a:t>
             </a:r>
           </a:p>
@@ -7621,7 +7532,7 @@
           <a:p>
             <a:pPr algn="ctr"/>
             <a:r>
-              <a:rPr lang="ru-RU" dirty="0" smtClean="0"/>
+              <a:rPr lang="ru-RU" dirty="0"/>
               <a:t>Бензиновый двигатель</a:t>
             </a:r>
           </a:p>
@@ -7664,7 +7575,7 @@
           <a:p>
             <a:pPr algn="ctr"/>
             <a:r>
-              <a:rPr lang="ru-RU" dirty="0" smtClean="0"/>
+              <a:rPr lang="ru-RU" dirty="0"/>
               <a:t>Газотурбинный двигатель</a:t>
             </a:r>
           </a:p>
@@ -7827,7 +7738,7 @@
           <a:p>
             <a:pPr algn="ctr"/>
             <a:r>
-              <a:rPr lang="ru-RU" dirty="0" smtClean="0"/>
+              <a:rPr lang="ru-RU" dirty="0"/>
               <a:t>Карбюраторный</a:t>
             </a:r>
           </a:p>
@@ -7910,10 +7821,10 @@
           <a:p>
             <a:pPr algn="ctr"/>
             <a:r>
-              <a:rPr lang="ru-RU" dirty="0" err="1" smtClean="0"/>
+              <a:rPr lang="ru-RU" dirty="0" err="1"/>
               <a:t>Инжекторный</a:t>
             </a:r>
-            <a:endParaRPr lang="ru-RU" dirty="0" smtClean="0"/>
+            <a:endParaRPr lang="ru-RU" dirty="0"/>
           </a:p>
         </p:txBody>
       </p:sp>
@@ -7967,13 +7878,6 @@
   <p:clrMapOvr>
     <a:masterClrMapping/>
   </p:clrMapOvr>
-  <p:timing>
-    <p:tnLst>
-      <p:par>
-        <p:cTn id="1" dur="indefinite" restart="never" nodeType="tmRoot"/>
-      </p:par>
-    </p:tnLst>
-  </p:timing>
 </p:sld>
 </file>
 
@@ -8010,7 +7914,7 @@
           <a:lstStyle/>
           <a:p>
             <a:r>
-              <a:rPr lang="ru-RU" dirty="0" smtClean="0"/>
+              <a:rPr lang="ru-RU" dirty="0"/>
               <a:t>Полиморфизм</a:t>
             </a:r>
             <a:endParaRPr lang="en-US" dirty="0"/>
@@ -8040,15 +7944,15 @@
           <a:lstStyle/>
           <a:p>
             <a:r>
-              <a:rPr lang="ru-RU" dirty="0" smtClean="0"/>
+              <a:rPr lang="ru-RU" dirty="0"/>
               <a:t>Сочетание иерархии и инкапсуляции открывает еще одну удобную возможность – реализации </a:t>
             </a:r>
             <a:r>
-              <a:rPr lang="ru-RU" b="1" dirty="0" smtClean="0"/>
+              <a:rPr lang="ru-RU" b="1" dirty="0"/>
               <a:t>полиморфного </a:t>
             </a:r>
             <a:r>
-              <a:rPr lang="ru-RU" dirty="0" smtClean="0"/>
+              <a:rPr lang="ru-RU" dirty="0"/>
               <a:t>(т.е. многообразного) поведения, при котором различные объекты реагируют по-своему на одно и то же взаимодействие с ними через общий интерфейс.</a:t>
             </a:r>
           </a:p>
@@ -8094,14 +7998,14 @@
           <a:p>
             <a:pPr algn="ctr"/>
             <a:r>
-              <a:rPr lang="ru-RU" dirty="0" smtClean="0"/>
+              <a:rPr lang="ru-RU" dirty="0"/>
               <a:t>Двигатель</a:t>
             </a:r>
           </a:p>
           <a:p>
             <a:pPr algn="ctr"/>
             <a:r>
-              <a:rPr lang="ru-RU" dirty="0" smtClean="0"/>
+              <a:rPr lang="ru-RU" dirty="0"/>
               <a:t>внутреннего сгорания</a:t>
             </a:r>
           </a:p>
@@ -8144,7 +8048,7 @@
           <a:p>
             <a:pPr algn="ctr"/>
             <a:r>
-              <a:rPr lang="ru-RU" dirty="0" smtClean="0"/>
+              <a:rPr lang="ru-RU" dirty="0"/>
               <a:t>«Дать газу!»</a:t>
             </a:r>
             <a:endParaRPr lang="en-US" dirty="0"/>
@@ -8188,7 +8092,7 @@
           <a:p>
             <a:pPr algn="ctr"/>
             <a:r>
-              <a:rPr lang="ru-RU" dirty="0" smtClean="0"/>
+              <a:rPr lang="ru-RU" dirty="0"/>
               <a:t>Увеличить мощность</a:t>
             </a:r>
             <a:endParaRPr lang="en-US" dirty="0"/>
@@ -8232,7 +8136,7 @@
           <a:p>
             <a:pPr algn="ctr"/>
             <a:r>
-              <a:rPr lang="ru-RU" dirty="0" smtClean="0"/>
+              <a:rPr lang="ru-RU" dirty="0"/>
               <a:t>Бензиновый двигатель (карбюраторный)</a:t>
             </a:r>
           </a:p>
@@ -8315,15 +8219,15 @@
           <a:p>
             <a:pPr algn="ctr"/>
             <a:r>
-              <a:rPr lang="ru-RU" dirty="0" smtClean="0"/>
+              <a:rPr lang="ru-RU" dirty="0"/>
               <a:t>Бензиновый двигатель (</a:t>
             </a:r>
             <a:r>
-              <a:rPr lang="ru-RU" dirty="0" err="1" smtClean="0"/>
+              <a:rPr lang="ru-RU" dirty="0" err="1"/>
               <a:t>инжекторный</a:t>
             </a:r>
             <a:r>
-              <a:rPr lang="ru-RU" dirty="0" smtClean="0"/>
+              <a:rPr lang="ru-RU" dirty="0"/>
               <a:t>)</a:t>
             </a:r>
           </a:p>
@@ -8439,13 +8343,6 @@
   <p:clrMapOvr>
     <a:masterClrMapping/>
   </p:clrMapOvr>
-  <p:timing>
-    <p:tnLst>
-      <p:par>
-        <p:cTn id="1" dur="indefinite" restart="never" nodeType="tmRoot"/>
-      </p:par>
-    </p:tnLst>
-  </p:timing>
 </p:sld>
 </file>
 
@@ -8482,7 +8379,7 @@
           <a:lstStyle/>
           <a:p>
             <a:r>
-              <a:rPr lang="ru-RU" dirty="0" smtClean="0"/>
+              <a:rPr lang="ru-RU" dirty="0"/>
               <a:t>Вернемся к программированию</a:t>
             </a:r>
             <a:endParaRPr lang="en-US" dirty="0"/>
@@ -8516,11 +8413,7 @@
             </a:pPr>
             <a:r>
               <a:rPr lang="ru-RU" sz="8000" dirty="0"/>
-              <a:t>Что такое программа</a:t>
-            </a:r>
-            <a:r>
-              <a:rPr lang="ru-RU" sz="8000" dirty="0" smtClean="0"/>
-              <a:t>?</a:t>
+              <a:t>Что такое программа?</a:t>
             </a:r>
           </a:p>
           <a:p>
@@ -8528,12 +8421,8 @@
               <a:buNone/>
             </a:pPr>
             <a:r>
-              <a:rPr lang="ru-RU" sz="8000" dirty="0" smtClean="0"/>
-              <a:t>Ваши </a:t>
-            </a:r>
-            <a:r>
               <a:rPr lang="ru-RU" sz="8000" dirty="0"/>
-              <a:t>версии?</a:t>
+              <a:t>Ваши версии?</a:t>
             </a:r>
             <a:endParaRPr lang="en-US" sz="8000" dirty="0"/>
           </a:p>
@@ -8549,13 +8438,6 @@
   <p:clrMapOvr>
     <a:masterClrMapping/>
   </p:clrMapOvr>
-  <p:timing>
-    <p:tnLst>
-      <p:par>
-        <p:cTn id="1" dur="indefinite" restart="never" nodeType="tmRoot"/>
-      </p:par>
-    </p:tnLst>
-  </p:timing>
 </p:sld>
 </file>
 
@@ -8701,13 +8583,6 @@
   <p:clrMapOvr>
     <a:masterClrMapping/>
   </p:clrMapOvr>
-  <p:timing>
-    <p:tnLst>
-      <p:par>
-        <p:cTn id="1" dur="indefinite" restart="never" nodeType="tmRoot"/>
-      </p:par>
-    </p:tnLst>
-  </p:timing>
 </p:sld>
 </file>
 
@@ -8850,13 +8725,6 @@
   <p:clrMapOvr>
     <a:masterClrMapping/>
   </p:clrMapOvr>
-  <p:timing>
-    <p:tnLst>
-      <p:par>
-        <p:cTn id="1" dur="indefinite" restart="never" nodeType="tmRoot"/>
-      </p:par>
-    </p:tnLst>
-  </p:timing>
 </p:sld>
 </file>
 
@@ -9010,13 +8878,6 @@
   <p:clrMapOvr>
     <a:masterClrMapping/>
   </p:clrMapOvr>
-  <p:timing>
-    <p:tnLst>
-      <p:par>
-        <p:cTn id="1" dur="indefinite" restart="never" nodeType="tmRoot"/>
-      </p:par>
-    </p:tnLst>
-  </p:timing>
 </p:sld>
 </file>
 
@@ -9060,15 +8921,7 @@
             </a:r>
             <a:r>
               <a:rPr lang="ru-RU" dirty="0"/>
-              <a:t>в </a:t>
-            </a:r>
-            <a:r>
-              <a:rPr lang="ru-RU" dirty="0" smtClean="0"/>
-              <a:t>интервью </a:t>
-            </a:r>
-            <a:r>
-              <a:rPr lang="ru-RU" dirty="0"/>
-              <a:t>журналу </a:t>
+              <a:t>в интервью журналу </a:t>
             </a:r>
             <a:r>
               <a:rPr lang="en-US" dirty="0"/>
@@ -9148,13 +9001,6 @@
   <p:clrMapOvr>
     <a:masterClrMapping/>
   </p:clrMapOvr>
-  <p:timing>
-    <p:tnLst>
-      <p:par>
-        <p:cTn id="1" dur="indefinite" restart="never" nodeType="tmRoot"/>
-      </p:par>
-    </p:tnLst>
-  </p:timing>
 </p:sld>
 </file>
 
@@ -9320,13 +9166,6 @@
   <p:clrMapOvr>
     <a:masterClrMapping/>
   </p:clrMapOvr>
-  <p:timing>
-    <p:tnLst>
-      <p:par>
-        <p:cTn id="1" dur="indefinite" restart="never" nodeType="tmRoot"/>
-      </p:par>
-    </p:tnLst>
-  </p:timing>
 </p:sld>
 </file>
 
@@ -9401,13 +9240,6 @@
   <p:clrMapOvr>
     <a:masterClrMapping/>
   </p:clrMapOvr>
-  <p:timing>
-    <p:tnLst>
-      <p:par>
-        <p:cTn id="1" dur="indefinite" restart="never" nodeType="tmRoot"/>
-      </p:par>
-    </p:tnLst>
-  </p:timing>
 </p:sld>
 </file>
 
@@ -9547,13 +9379,6 @@
   <p:clrMapOvr>
     <a:masterClrMapping/>
   </p:clrMapOvr>
-  <p:timing>
-    <p:tnLst>
-      <p:par>
-        <p:cTn id="1" dur="indefinite" restart="never" nodeType="tmRoot"/>
-      </p:par>
-    </p:tnLst>
-  </p:timing>
 </p:sld>
 </file>
 
@@ -9632,13 +9457,6 @@
   <p:clrMapOvr>
     <a:masterClrMapping/>
   </p:clrMapOvr>
-  <p:timing>
-    <p:tnLst>
-      <p:par>
-        <p:cTn id="1" dur="indefinite" restart="never" nodeType="tmRoot"/>
-      </p:par>
-    </p:tnLst>
-  </p:timing>
 </p:sld>
 </file>
 
@@ -9826,9 +9644,315 @@
   <p:timing>
     <p:tnLst>
       <p:par>
-        <p:cTn id="1" dur="indefinite" restart="never" nodeType="tmRoot"/>
+        <p:cTn id="1" dur="indefinite" restart="never" nodeType="tmRoot">
+          <p:childTnLst>
+            <p:seq concurrent="1" nextAc="seek">
+              <p:cTn id="2" dur="indefinite" nodeType="mainSeq">
+                <p:childTnLst>
+                  <p:par>
+                    <p:cTn id="3" fill="hold">
+                      <p:stCondLst>
+                        <p:cond delay="indefinite"/>
+                      </p:stCondLst>
+                      <p:childTnLst>
+                        <p:par>
+                          <p:cTn id="4" fill="hold">
+                            <p:stCondLst>
+                              <p:cond delay="0"/>
+                            </p:stCondLst>
+                            <p:childTnLst>
+                              <p:par>
+                                <p:cTn id="5" presetID="1" presetClass="entr" presetSubtype="0" fill="hold" nodeType="clickEffect">
+                                  <p:stCondLst>
+                                    <p:cond delay="0"/>
+                                  </p:stCondLst>
+                                  <p:childTnLst>
+                                    <p:set>
+                                      <p:cBhvr>
+                                        <p:cTn id="6" dur="1" fill="hold">
+                                          <p:stCondLst>
+                                            <p:cond delay="0"/>
+                                          </p:stCondLst>
+                                        </p:cTn>
+                                        <p:tgtEl>
+                                          <p:spTgt spid="3">
+                                            <p:txEl>
+                                              <p:pRg st="3" end="3"/>
+                                            </p:txEl>
+                                          </p:spTgt>
+                                        </p:tgtEl>
+                                        <p:attrNameLst>
+                                          <p:attrName>style.visibility</p:attrName>
+                                        </p:attrNameLst>
+                                      </p:cBhvr>
+                                      <p:to>
+                                        <p:strVal val="visible"/>
+                                      </p:to>
+                                    </p:set>
+                                  </p:childTnLst>
+                                </p:cTn>
+                              </p:par>
+                              <p:par>
+                                <p:cTn id="7" presetID="1" presetClass="entr" presetSubtype="0" fill="hold" nodeType="withEffect">
+                                  <p:stCondLst>
+                                    <p:cond delay="0"/>
+                                  </p:stCondLst>
+                                  <p:childTnLst>
+                                    <p:set>
+                                      <p:cBhvr>
+                                        <p:cTn id="8" dur="1" fill="hold">
+                                          <p:stCondLst>
+                                            <p:cond delay="0"/>
+                                          </p:stCondLst>
+                                        </p:cTn>
+                                        <p:tgtEl>
+                                          <p:spTgt spid="3">
+                                            <p:txEl>
+                                              <p:pRg st="4" end="4"/>
+                                            </p:txEl>
+                                          </p:spTgt>
+                                        </p:tgtEl>
+                                        <p:attrNameLst>
+                                          <p:attrName>style.visibility</p:attrName>
+                                        </p:attrNameLst>
+                                      </p:cBhvr>
+                                      <p:to>
+                                        <p:strVal val="visible"/>
+                                      </p:to>
+                                    </p:set>
+                                  </p:childTnLst>
+                                </p:cTn>
+                              </p:par>
+                              <p:par>
+                                <p:cTn id="9" presetID="1" presetClass="entr" presetSubtype="0" fill="hold" nodeType="withEffect">
+                                  <p:stCondLst>
+                                    <p:cond delay="0"/>
+                                  </p:stCondLst>
+                                  <p:childTnLst>
+                                    <p:set>
+                                      <p:cBhvr>
+                                        <p:cTn id="10" dur="1" fill="hold">
+                                          <p:stCondLst>
+                                            <p:cond delay="0"/>
+                                          </p:stCondLst>
+                                        </p:cTn>
+                                        <p:tgtEl>
+                                          <p:spTgt spid="3">
+                                            <p:txEl>
+                                              <p:pRg st="5" end="5"/>
+                                            </p:txEl>
+                                          </p:spTgt>
+                                        </p:tgtEl>
+                                        <p:attrNameLst>
+                                          <p:attrName>style.visibility</p:attrName>
+                                        </p:attrNameLst>
+                                      </p:cBhvr>
+                                      <p:to>
+                                        <p:strVal val="visible"/>
+                                      </p:to>
+                                    </p:set>
+                                  </p:childTnLst>
+                                </p:cTn>
+                              </p:par>
+                              <p:par>
+                                <p:cTn id="11" presetID="1" presetClass="entr" presetSubtype="0" fill="hold" nodeType="withEffect">
+                                  <p:stCondLst>
+                                    <p:cond delay="0"/>
+                                  </p:stCondLst>
+                                  <p:childTnLst>
+                                    <p:set>
+                                      <p:cBhvr>
+                                        <p:cTn id="12" dur="1" fill="hold">
+                                          <p:stCondLst>
+                                            <p:cond delay="0"/>
+                                          </p:stCondLst>
+                                        </p:cTn>
+                                        <p:tgtEl>
+                                          <p:spTgt spid="3">
+                                            <p:txEl>
+                                              <p:pRg st="6" end="6"/>
+                                            </p:txEl>
+                                          </p:spTgt>
+                                        </p:tgtEl>
+                                        <p:attrNameLst>
+                                          <p:attrName>style.visibility</p:attrName>
+                                        </p:attrNameLst>
+                                      </p:cBhvr>
+                                      <p:to>
+                                        <p:strVal val="visible"/>
+                                      </p:to>
+                                    </p:set>
+                                  </p:childTnLst>
+                                </p:cTn>
+                              </p:par>
+                              <p:par>
+                                <p:cTn id="13" presetID="1" presetClass="entr" presetSubtype="0" fill="hold" nodeType="withEffect">
+                                  <p:stCondLst>
+                                    <p:cond delay="0"/>
+                                  </p:stCondLst>
+                                  <p:childTnLst>
+                                    <p:set>
+                                      <p:cBhvr>
+                                        <p:cTn id="14" dur="1" fill="hold">
+                                          <p:stCondLst>
+                                            <p:cond delay="0"/>
+                                          </p:stCondLst>
+                                        </p:cTn>
+                                        <p:tgtEl>
+                                          <p:spTgt spid="3">
+                                            <p:txEl>
+                                              <p:pRg st="7" end="7"/>
+                                            </p:txEl>
+                                          </p:spTgt>
+                                        </p:tgtEl>
+                                        <p:attrNameLst>
+                                          <p:attrName>style.visibility</p:attrName>
+                                        </p:attrNameLst>
+                                      </p:cBhvr>
+                                      <p:to>
+                                        <p:strVal val="visible"/>
+                                      </p:to>
+                                    </p:set>
+                                  </p:childTnLst>
+                                </p:cTn>
+                              </p:par>
+                              <p:par>
+                                <p:cTn id="15" presetID="1" presetClass="entr" presetSubtype="0" fill="hold" nodeType="withEffect">
+                                  <p:stCondLst>
+                                    <p:cond delay="0"/>
+                                  </p:stCondLst>
+                                  <p:childTnLst>
+                                    <p:set>
+                                      <p:cBhvr>
+                                        <p:cTn id="16" dur="1" fill="hold">
+                                          <p:stCondLst>
+                                            <p:cond delay="0"/>
+                                          </p:stCondLst>
+                                        </p:cTn>
+                                        <p:tgtEl>
+                                          <p:spTgt spid="3">
+                                            <p:txEl>
+                                              <p:pRg st="8" end="8"/>
+                                            </p:txEl>
+                                          </p:spTgt>
+                                        </p:tgtEl>
+                                        <p:attrNameLst>
+                                          <p:attrName>style.visibility</p:attrName>
+                                        </p:attrNameLst>
+                                      </p:cBhvr>
+                                      <p:to>
+                                        <p:strVal val="visible"/>
+                                      </p:to>
+                                    </p:set>
+                                  </p:childTnLst>
+                                </p:cTn>
+                              </p:par>
+                              <p:par>
+                                <p:cTn id="17" presetID="1" presetClass="entr" presetSubtype="0" fill="hold" nodeType="withEffect">
+                                  <p:stCondLst>
+                                    <p:cond delay="0"/>
+                                  </p:stCondLst>
+                                  <p:childTnLst>
+                                    <p:set>
+                                      <p:cBhvr>
+                                        <p:cTn id="18" dur="1" fill="hold">
+                                          <p:stCondLst>
+                                            <p:cond delay="0"/>
+                                          </p:stCondLst>
+                                        </p:cTn>
+                                        <p:tgtEl>
+                                          <p:spTgt spid="3">
+                                            <p:txEl>
+                                              <p:pRg st="9" end="9"/>
+                                            </p:txEl>
+                                          </p:spTgt>
+                                        </p:tgtEl>
+                                        <p:attrNameLst>
+                                          <p:attrName>style.visibility</p:attrName>
+                                        </p:attrNameLst>
+                                      </p:cBhvr>
+                                      <p:to>
+                                        <p:strVal val="visible"/>
+                                      </p:to>
+                                    </p:set>
+                                  </p:childTnLst>
+                                </p:cTn>
+                              </p:par>
+                            </p:childTnLst>
+                          </p:cTn>
+                        </p:par>
+                      </p:childTnLst>
+                    </p:cTn>
+                  </p:par>
+                  <p:par>
+                    <p:cTn id="19" fill="hold">
+                      <p:stCondLst>
+                        <p:cond delay="indefinite"/>
+                      </p:stCondLst>
+                      <p:childTnLst>
+                        <p:par>
+                          <p:cTn id="20" fill="hold">
+                            <p:stCondLst>
+                              <p:cond delay="0"/>
+                            </p:stCondLst>
+                            <p:childTnLst>
+                              <p:par>
+                                <p:cTn id="21" presetID="1" presetClass="entr" presetSubtype="0" fill="hold" grpId="0" nodeType="clickEffect">
+                                  <p:stCondLst>
+                                    <p:cond delay="0"/>
+                                  </p:stCondLst>
+                                  <p:childTnLst>
+                                    <p:set>
+                                      <p:cBhvr>
+                                        <p:cTn id="22" dur="1" fill="hold">
+                                          <p:stCondLst>
+                                            <p:cond delay="0"/>
+                                          </p:stCondLst>
+                                        </p:cTn>
+                                        <p:tgtEl>
+                                          <p:spTgt spid="4"/>
+                                        </p:tgtEl>
+                                        <p:attrNameLst>
+                                          <p:attrName>style.visibility</p:attrName>
+                                        </p:attrNameLst>
+                                      </p:cBhvr>
+                                      <p:to>
+                                        <p:strVal val="visible"/>
+                                      </p:to>
+                                    </p:set>
+                                  </p:childTnLst>
+                                </p:cTn>
+                              </p:par>
+                            </p:childTnLst>
+                          </p:cTn>
+                        </p:par>
+                      </p:childTnLst>
+                    </p:cTn>
+                  </p:par>
+                </p:childTnLst>
+              </p:cTn>
+              <p:prevCondLst>
+                <p:cond evt="onPrev" delay="0">
+                  <p:tgtEl>
+                    <p:sldTgt/>
+                  </p:tgtEl>
+                </p:cond>
+              </p:prevCondLst>
+              <p:nextCondLst>
+                <p:cond evt="onNext" delay="0">
+                  <p:tgtEl>
+                    <p:sldTgt/>
+                  </p:tgtEl>
+                </p:cond>
+              </p:nextCondLst>
+            </p:seq>
+          </p:childTnLst>
+        </p:cTn>
       </p:par>
     </p:tnLst>
+    <p:bldLst>
+      <p:bldP spid="4" grpId="0" animBg="1"/>
+    </p:bldLst>
   </p:timing>
 </p:sld>
 </file>
@@ -10066,9 +10190,475 @@
   <p:timing>
     <p:tnLst>
       <p:par>
-        <p:cTn id="1" dur="indefinite" restart="never" nodeType="tmRoot"/>
+        <p:cTn id="1" dur="indefinite" restart="never" nodeType="tmRoot">
+          <p:childTnLst>
+            <p:seq concurrent="1" nextAc="seek">
+              <p:cTn id="2" dur="indefinite" nodeType="mainSeq">
+                <p:childTnLst>
+                  <p:par>
+                    <p:cTn id="3" fill="hold">
+                      <p:stCondLst>
+                        <p:cond delay="indefinite"/>
+                      </p:stCondLst>
+                      <p:childTnLst>
+                        <p:par>
+                          <p:cTn id="4" fill="hold">
+                            <p:stCondLst>
+                              <p:cond delay="0"/>
+                            </p:stCondLst>
+                            <p:childTnLst>
+                              <p:par>
+                                <p:cTn id="5" presetID="1" presetClass="entr" presetSubtype="0" fill="hold" nodeType="clickEffect">
+                                  <p:stCondLst>
+                                    <p:cond delay="0"/>
+                                  </p:stCondLst>
+                                  <p:childTnLst>
+                                    <p:set>
+                                      <p:cBhvr>
+                                        <p:cTn id="6" dur="1" fill="hold">
+                                          <p:stCondLst>
+                                            <p:cond delay="0"/>
+                                          </p:stCondLst>
+                                        </p:cTn>
+                                        <p:tgtEl>
+                                          <p:spTgt spid="3">
+                                            <p:txEl>
+                                              <p:pRg st="1" end="1"/>
+                                            </p:txEl>
+                                          </p:spTgt>
+                                        </p:tgtEl>
+                                        <p:attrNameLst>
+                                          <p:attrName>style.visibility</p:attrName>
+                                        </p:attrNameLst>
+                                      </p:cBhvr>
+                                      <p:to>
+                                        <p:strVal val="visible"/>
+                                      </p:to>
+                                    </p:set>
+                                  </p:childTnLst>
+                                </p:cTn>
+                              </p:par>
+                              <p:par>
+                                <p:cTn id="7" presetID="1" presetClass="entr" presetSubtype="0" fill="hold" nodeType="withEffect">
+                                  <p:stCondLst>
+                                    <p:cond delay="0"/>
+                                  </p:stCondLst>
+                                  <p:childTnLst>
+                                    <p:set>
+                                      <p:cBhvr>
+                                        <p:cTn id="8" dur="1" fill="hold">
+                                          <p:stCondLst>
+                                            <p:cond delay="0"/>
+                                          </p:stCondLst>
+                                        </p:cTn>
+                                        <p:tgtEl>
+                                          <p:spTgt spid="3">
+                                            <p:txEl>
+                                              <p:pRg st="2" end="2"/>
+                                            </p:txEl>
+                                          </p:spTgt>
+                                        </p:tgtEl>
+                                        <p:attrNameLst>
+                                          <p:attrName>style.visibility</p:attrName>
+                                        </p:attrNameLst>
+                                      </p:cBhvr>
+                                      <p:to>
+                                        <p:strVal val="visible"/>
+                                      </p:to>
+                                    </p:set>
+                                  </p:childTnLst>
+                                </p:cTn>
+                              </p:par>
+                              <p:par>
+                                <p:cTn id="9" presetID="1" presetClass="entr" presetSubtype="0" fill="hold" nodeType="withEffect">
+                                  <p:stCondLst>
+                                    <p:cond delay="0"/>
+                                  </p:stCondLst>
+                                  <p:childTnLst>
+                                    <p:set>
+                                      <p:cBhvr>
+                                        <p:cTn id="10" dur="1" fill="hold">
+                                          <p:stCondLst>
+                                            <p:cond delay="0"/>
+                                          </p:stCondLst>
+                                        </p:cTn>
+                                        <p:tgtEl>
+                                          <p:spTgt spid="3">
+                                            <p:txEl>
+                                              <p:pRg st="3" end="3"/>
+                                            </p:txEl>
+                                          </p:spTgt>
+                                        </p:tgtEl>
+                                        <p:attrNameLst>
+                                          <p:attrName>style.visibility</p:attrName>
+                                        </p:attrNameLst>
+                                      </p:cBhvr>
+                                      <p:to>
+                                        <p:strVal val="visible"/>
+                                      </p:to>
+                                    </p:set>
+                                  </p:childTnLst>
+                                </p:cTn>
+                              </p:par>
+                              <p:par>
+                                <p:cTn id="11" presetID="1" presetClass="entr" presetSubtype="0" fill="hold" nodeType="withEffect">
+                                  <p:stCondLst>
+                                    <p:cond delay="0"/>
+                                  </p:stCondLst>
+                                  <p:childTnLst>
+                                    <p:set>
+                                      <p:cBhvr>
+                                        <p:cTn id="12" dur="1" fill="hold">
+                                          <p:stCondLst>
+                                            <p:cond delay="0"/>
+                                          </p:stCondLst>
+                                        </p:cTn>
+                                        <p:tgtEl>
+                                          <p:spTgt spid="3">
+                                            <p:txEl>
+                                              <p:pRg st="4" end="4"/>
+                                            </p:txEl>
+                                          </p:spTgt>
+                                        </p:tgtEl>
+                                        <p:attrNameLst>
+                                          <p:attrName>style.visibility</p:attrName>
+                                        </p:attrNameLst>
+                                      </p:cBhvr>
+                                      <p:to>
+                                        <p:strVal val="visible"/>
+                                      </p:to>
+                                    </p:set>
+                                  </p:childTnLst>
+                                </p:cTn>
+                              </p:par>
+                              <p:par>
+                                <p:cTn id="13" presetID="1" presetClass="entr" presetSubtype="0" fill="hold" nodeType="withEffect">
+                                  <p:stCondLst>
+                                    <p:cond delay="0"/>
+                                  </p:stCondLst>
+                                  <p:childTnLst>
+                                    <p:set>
+                                      <p:cBhvr>
+                                        <p:cTn id="14" dur="1" fill="hold">
+                                          <p:stCondLst>
+                                            <p:cond delay="0"/>
+                                          </p:stCondLst>
+                                        </p:cTn>
+                                        <p:tgtEl>
+                                          <p:spTgt spid="3">
+                                            <p:txEl>
+                                              <p:pRg st="5" end="5"/>
+                                            </p:txEl>
+                                          </p:spTgt>
+                                        </p:tgtEl>
+                                        <p:attrNameLst>
+                                          <p:attrName>style.visibility</p:attrName>
+                                        </p:attrNameLst>
+                                      </p:cBhvr>
+                                      <p:to>
+                                        <p:strVal val="visible"/>
+                                      </p:to>
+                                    </p:set>
+                                  </p:childTnLst>
+                                </p:cTn>
+                              </p:par>
+                            </p:childTnLst>
+                          </p:cTn>
+                        </p:par>
+                      </p:childTnLst>
+                    </p:cTn>
+                  </p:par>
+                  <p:par>
+                    <p:cTn id="15" fill="hold">
+                      <p:stCondLst>
+                        <p:cond delay="indefinite"/>
+                      </p:stCondLst>
+                      <p:childTnLst>
+                        <p:par>
+                          <p:cTn id="16" fill="hold">
+                            <p:stCondLst>
+                              <p:cond delay="0"/>
+                            </p:stCondLst>
+                            <p:childTnLst>
+                              <p:par>
+                                <p:cTn id="17" presetID="1" presetClass="entr" presetSubtype="0" fill="hold" nodeType="clickEffect">
+                                  <p:stCondLst>
+                                    <p:cond delay="0"/>
+                                  </p:stCondLst>
+                                  <p:childTnLst>
+                                    <p:set>
+                                      <p:cBhvr>
+                                        <p:cTn id="18" dur="1" fill="hold">
+                                          <p:stCondLst>
+                                            <p:cond delay="0"/>
+                                          </p:stCondLst>
+                                        </p:cTn>
+                                        <p:tgtEl>
+                                          <p:spTgt spid="3">
+                                            <p:txEl>
+                                              <p:pRg st="7" end="7"/>
+                                            </p:txEl>
+                                          </p:spTgt>
+                                        </p:tgtEl>
+                                        <p:attrNameLst>
+                                          <p:attrName>style.visibility</p:attrName>
+                                        </p:attrNameLst>
+                                      </p:cBhvr>
+                                      <p:to>
+                                        <p:strVal val="visible"/>
+                                      </p:to>
+                                    </p:set>
+                                  </p:childTnLst>
+                                </p:cTn>
+                              </p:par>
+                              <p:par>
+                                <p:cTn id="19" presetID="1" presetClass="entr" presetSubtype="0" fill="hold" nodeType="withEffect">
+                                  <p:stCondLst>
+                                    <p:cond delay="0"/>
+                                  </p:stCondLst>
+                                  <p:childTnLst>
+                                    <p:set>
+                                      <p:cBhvr>
+                                        <p:cTn id="20" dur="1" fill="hold">
+                                          <p:stCondLst>
+                                            <p:cond delay="0"/>
+                                          </p:stCondLst>
+                                        </p:cTn>
+                                        <p:tgtEl>
+                                          <p:spTgt spid="3">
+                                            <p:txEl>
+                                              <p:pRg st="8" end="8"/>
+                                            </p:txEl>
+                                          </p:spTgt>
+                                        </p:tgtEl>
+                                        <p:attrNameLst>
+                                          <p:attrName>style.visibility</p:attrName>
+                                        </p:attrNameLst>
+                                      </p:cBhvr>
+                                      <p:to>
+                                        <p:strVal val="visible"/>
+                                      </p:to>
+                                    </p:set>
+                                  </p:childTnLst>
+                                </p:cTn>
+                              </p:par>
+                              <p:par>
+                                <p:cTn id="21" presetID="1" presetClass="entr" presetSubtype="0" fill="hold" nodeType="withEffect">
+                                  <p:stCondLst>
+                                    <p:cond delay="0"/>
+                                  </p:stCondLst>
+                                  <p:childTnLst>
+                                    <p:set>
+                                      <p:cBhvr>
+                                        <p:cTn id="22" dur="1" fill="hold">
+                                          <p:stCondLst>
+                                            <p:cond delay="0"/>
+                                          </p:stCondLst>
+                                        </p:cTn>
+                                        <p:tgtEl>
+                                          <p:spTgt spid="3">
+                                            <p:txEl>
+                                              <p:pRg st="9" end="9"/>
+                                            </p:txEl>
+                                          </p:spTgt>
+                                        </p:tgtEl>
+                                        <p:attrNameLst>
+                                          <p:attrName>style.visibility</p:attrName>
+                                        </p:attrNameLst>
+                                      </p:cBhvr>
+                                      <p:to>
+                                        <p:strVal val="visible"/>
+                                      </p:to>
+                                    </p:set>
+                                  </p:childTnLst>
+                                </p:cTn>
+                              </p:par>
+                              <p:par>
+                                <p:cTn id="23" presetID="1" presetClass="entr" presetSubtype="0" fill="hold" nodeType="withEffect">
+                                  <p:stCondLst>
+                                    <p:cond delay="0"/>
+                                  </p:stCondLst>
+                                  <p:childTnLst>
+                                    <p:set>
+                                      <p:cBhvr>
+                                        <p:cTn id="24" dur="1" fill="hold">
+                                          <p:stCondLst>
+                                            <p:cond delay="0"/>
+                                          </p:stCondLst>
+                                        </p:cTn>
+                                        <p:tgtEl>
+                                          <p:spTgt spid="3">
+                                            <p:txEl>
+                                              <p:pRg st="10" end="10"/>
+                                            </p:txEl>
+                                          </p:spTgt>
+                                        </p:tgtEl>
+                                        <p:attrNameLst>
+                                          <p:attrName>style.visibility</p:attrName>
+                                        </p:attrNameLst>
+                                      </p:cBhvr>
+                                      <p:to>
+                                        <p:strVal val="visible"/>
+                                      </p:to>
+                                    </p:set>
+                                  </p:childTnLst>
+                                </p:cTn>
+                              </p:par>
+                              <p:par>
+                                <p:cTn id="25" presetID="1" presetClass="entr" presetSubtype="0" fill="hold" nodeType="withEffect">
+                                  <p:stCondLst>
+                                    <p:cond delay="0"/>
+                                  </p:stCondLst>
+                                  <p:childTnLst>
+                                    <p:set>
+                                      <p:cBhvr>
+                                        <p:cTn id="26" dur="1" fill="hold">
+                                          <p:stCondLst>
+                                            <p:cond delay="0"/>
+                                          </p:stCondLst>
+                                        </p:cTn>
+                                        <p:tgtEl>
+                                          <p:spTgt spid="3">
+                                            <p:txEl>
+                                              <p:pRg st="11" end="11"/>
+                                            </p:txEl>
+                                          </p:spTgt>
+                                        </p:tgtEl>
+                                        <p:attrNameLst>
+                                          <p:attrName>style.visibility</p:attrName>
+                                        </p:attrNameLst>
+                                      </p:cBhvr>
+                                      <p:to>
+                                        <p:strVal val="visible"/>
+                                      </p:to>
+                                    </p:set>
+                                  </p:childTnLst>
+                                </p:cTn>
+                              </p:par>
+                            </p:childTnLst>
+                          </p:cTn>
+                        </p:par>
+                      </p:childTnLst>
+                    </p:cTn>
+                  </p:par>
+                  <p:par>
+                    <p:cTn id="27" fill="hold">
+                      <p:stCondLst>
+                        <p:cond delay="indefinite"/>
+                      </p:stCondLst>
+                      <p:childTnLst>
+                        <p:par>
+                          <p:cTn id="28" fill="hold">
+                            <p:stCondLst>
+                              <p:cond delay="0"/>
+                            </p:stCondLst>
+                            <p:childTnLst>
+                              <p:par>
+                                <p:cTn id="29" presetID="1" presetClass="entr" presetSubtype="0" fill="hold" nodeType="clickEffect">
+                                  <p:stCondLst>
+                                    <p:cond delay="0"/>
+                                  </p:stCondLst>
+                                  <p:childTnLst>
+                                    <p:set>
+                                      <p:cBhvr>
+                                        <p:cTn id="30" dur="1" fill="hold">
+                                          <p:stCondLst>
+                                            <p:cond delay="0"/>
+                                          </p:stCondLst>
+                                        </p:cTn>
+                                        <p:tgtEl>
+                                          <p:spTgt spid="3">
+                                            <p:txEl>
+                                              <p:pRg st="12" end="12"/>
+                                            </p:txEl>
+                                          </p:spTgt>
+                                        </p:tgtEl>
+                                        <p:attrNameLst>
+                                          <p:attrName>style.visibility</p:attrName>
+                                        </p:attrNameLst>
+                                      </p:cBhvr>
+                                      <p:to>
+                                        <p:strVal val="visible"/>
+                                      </p:to>
+                                    </p:set>
+                                  </p:childTnLst>
+                                </p:cTn>
+                              </p:par>
+                            </p:childTnLst>
+                          </p:cTn>
+                        </p:par>
+                      </p:childTnLst>
+                    </p:cTn>
+                  </p:par>
+                  <p:par>
+                    <p:cTn id="31" fill="hold">
+                      <p:stCondLst>
+                        <p:cond delay="indefinite"/>
+                      </p:stCondLst>
+                      <p:childTnLst>
+                        <p:par>
+                          <p:cTn id="32" fill="hold">
+                            <p:stCondLst>
+                              <p:cond delay="0"/>
+                            </p:stCondLst>
+                            <p:childTnLst>
+                              <p:par>
+                                <p:cTn id="33" presetID="1" presetClass="entr" presetSubtype="0" fill="hold" grpId="0" nodeType="clickEffect">
+                                  <p:stCondLst>
+                                    <p:cond delay="0"/>
+                                  </p:stCondLst>
+                                  <p:childTnLst>
+                                    <p:set>
+                                      <p:cBhvr>
+                                        <p:cTn id="34" dur="1" fill="hold">
+                                          <p:stCondLst>
+                                            <p:cond delay="0"/>
+                                          </p:stCondLst>
+                                        </p:cTn>
+                                        <p:tgtEl>
+                                          <p:spTgt spid="4"/>
+                                        </p:tgtEl>
+                                        <p:attrNameLst>
+                                          <p:attrName>style.visibility</p:attrName>
+                                        </p:attrNameLst>
+                                      </p:cBhvr>
+                                      <p:to>
+                                        <p:strVal val="visible"/>
+                                      </p:to>
+                                    </p:set>
+                                  </p:childTnLst>
+                                </p:cTn>
+                              </p:par>
+                            </p:childTnLst>
+                          </p:cTn>
+                        </p:par>
+                      </p:childTnLst>
+                    </p:cTn>
+                  </p:par>
+                </p:childTnLst>
+              </p:cTn>
+              <p:prevCondLst>
+                <p:cond evt="onPrev" delay="0">
+                  <p:tgtEl>
+                    <p:sldTgt/>
+                  </p:tgtEl>
+                </p:cond>
+              </p:prevCondLst>
+              <p:nextCondLst>
+                <p:cond evt="onNext" delay="0">
+                  <p:tgtEl>
+                    <p:sldTgt/>
+                  </p:tgtEl>
+                </p:cond>
+              </p:nextCondLst>
+            </p:seq>
+          </p:childTnLst>
+        </p:cTn>
       </p:par>
     </p:tnLst>
+    <p:bldLst>
+      <p:bldP spid="4" grpId="0" animBg="1"/>
+    </p:bldLst>
   </p:timing>
 </p:sld>
 </file>
@@ -10350,13 +10940,6 @@
   <p:clrMapOvr>
     <a:masterClrMapping/>
   </p:clrMapOvr>
-  <p:timing>
-    <p:tnLst>
-      <p:par>
-        <p:cTn id="1" dur="indefinite" restart="never" nodeType="tmRoot"/>
-      </p:par>
-    </p:tnLst>
-  </p:timing>
 </p:sld>
 </file>
 
@@ -10496,13 +11079,6 @@
   <p:clrMapOvr>
     <a:masterClrMapping/>
   </p:clrMapOvr>
-  <p:timing>
-    <p:tnLst>
-      <p:par>
-        <p:cTn id="1" dur="indefinite" restart="never" nodeType="tmRoot"/>
-      </p:par>
-    </p:tnLst>
-  </p:timing>
 </p:sld>
 </file>
 
@@ -10565,13 +11141,8 @@
           <a:p>
             <a:r>
               <a:rPr lang="ru-RU" dirty="0"/>
-              <a:t>Абстракция – концентрация на существенных деталях, отбрасывая </a:t>
-            </a:r>
-            <a:r>
-              <a:rPr lang="ru-RU" dirty="0" smtClean="0"/>
-              <a:t>несущественные и выделение на этой базе отдельных сущностей. </a:t>
-            </a:r>
-            <a:endParaRPr lang="ru-RU" dirty="0"/>
+              <a:t>Абстракция – концентрация на существенных деталях, отбрасывая несущественные и выделение на этой базе отдельных сущностей. </a:t>
+            </a:r>
           </a:p>
           <a:p>
             <a:r>
@@ -10625,13 +11196,6 @@
   <p:clrMapOvr>
     <a:masterClrMapping/>
   </p:clrMapOvr>
-  <p:timing>
-    <p:tnLst>
-      <p:par>
-        <p:cTn id="1" dur="indefinite" restart="never" nodeType="tmRoot"/>
-      </p:par>
-    </p:tnLst>
-  </p:timing>
 </p:sld>
 </file>
 
@@ -10706,13 +11270,6 @@
   <p:clrMapOvr>
     <a:masterClrMapping/>
   </p:clrMapOvr>
-  <p:timing>
-    <p:tnLst>
-      <p:par>
-        <p:cTn id="1" dur="indefinite" restart="never" nodeType="tmRoot"/>
-      </p:par>
-    </p:tnLst>
-  </p:timing>
 </p:sld>
 </file>
 
@@ -10869,13 +11426,6 @@
   <p:clrMapOvr>
     <a:masterClrMapping/>
   </p:clrMapOvr>
-  <p:timing>
-    <p:tnLst>
-      <p:par>
-        <p:cTn id="1" dur="indefinite" restart="never" nodeType="tmRoot"/>
-      </p:par>
-    </p:tnLst>
-  </p:timing>
 </p:sld>
 </file>
 
@@ -11090,13 +11640,6 @@
   <p:clrMapOvr>
     <a:masterClrMapping/>
   </p:clrMapOvr>
-  <p:timing>
-    <p:tnLst>
-      <p:par>
-        <p:cTn id="1" dur="indefinite" restart="never" nodeType="tmRoot"/>
-      </p:par>
-    </p:tnLst>
-  </p:timing>
 </p:sld>
 </file>
 
@@ -11135,10 +11678,9 @@
           <a:lstStyle/>
           <a:p>
             <a:r>
-              <a:rPr lang="ru-RU" dirty="0" smtClean="0"/>
+              <a:rPr lang="ru-RU" dirty="0"/>
               <a:t>Абстрагирование</a:t>
             </a:r>
-            <a:endParaRPr lang="ru-RU" dirty="0"/>
           </a:p>
         </p:txBody>
       </p:sp>
@@ -11164,18 +11706,21 @@
             </a:pPr>
             <a:r>
               <a:rPr lang="ru-RU" sz="1600" dirty="0"/>
-              <a:t>Абстрагирование выделяет </a:t>
-            </a:r>
-            <a:r>
-              <a:rPr lang="ru-RU" sz="1600" dirty="0"/>
-              <a:t>существенные характеристики некоторого объекта, отличающие его от всех других видов объектов и, таким образом, четко определяет его концептуальные границы с точки зрения наблюдателя.</a:t>
+              <a:t>Абстрагирование выделяет существенные характеристики некоторого объекта, отличающие его от всех других видов объектов и, таким образом, четко определяет его концептуальные границы с точки зрения наблюдателя.</a:t>
             </a:r>
           </a:p>
         </p:txBody>
       </p:sp>
       <p:pic>
         <p:nvPicPr>
-          <p:cNvPr id="3074" name="Picture 2" descr="C:\nella\is\ООП\37641fcccbaa.jpg"/>
+          <p:cNvPr id="1026" name="Picture 2" descr="ÐÐµÐ½ÑÐ¸Ð½Ñ, Ñ ÐºÐ¾ÑÐ¾ÑÑÑ+ ÐÐ°Ð±Ð»Ð¾ ÐÐ¸ÐºÐ°ÑÑÐ¾ Ð¿Ð¸ÑÐ°Ð» Ð¿Ð¾ÑÑÑÐµÑÑ (5 ÑÐ¾ÑÐ¾)">
+            <a:extLst>
+              <a:ext uri="{FF2B5EF4-FFF2-40B4-BE49-F238E27FC236}">
+                <a16:creationId xmlns:a16="http://schemas.microsoft.com/office/drawing/2014/main" id="{9FA409D2-FA63-436D-A897-3799D4BCD332}"/>
+              </a:ext>
+            </a:extLst>
+          </p:cNvPr>
           <p:cNvPicPr>
             <a:picLocks noChangeAspect="1" noChangeArrowheads="1"/>
           </p:cNvPicPr>
@@ -11196,8 +11741,8 @@
         </p:blipFill>
         <p:spPr bwMode="auto">
           <a:xfrm>
-            <a:off x="539552" y="3021575"/>
-            <a:ext cx="2704777" cy="2899593"/>
+            <a:off x="1657426" y="2703848"/>
+            <a:ext cx="5607439" cy="3789026"/>
           </a:xfrm>
           <a:prstGeom prst="rect">
             <a:avLst/>
@@ -11214,36 +11759,6 @@
           </a:extLst>
         </p:spPr>
       </p:pic>
-      <p:pic>
-        <p:nvPicPr>
-          <p:cNvPr id="4" name="Рисунок 3"/>
-          <p:cNvPicPr>
-            <a:picLocks noChangeAspect="1"/>
-          </p:cNvPicPr>
-          <p:nvPr/>
-        </p:nvPicPr>
-        <p:blipFill>
-          <a:blip r:embed="rId3" cstate="print">
-            <a:extLst>
-              <a:ext uri="{28A0092B-C50C-407E-A947-70E740481C1C}">
-                <a14:useLocalDpi xmlns:a14="http://schemas.microsoft.com/office/drawing/2010/main" val="0"/>
-              </a:ext>
-            </a:extLst>
-          </a:blip>
-          <a:stretch>
-            <a:fillRect/>
-          </a:stretch>
-        </p:blipFill>
-        <p:spPr>
-          <a:xfrm>
-            <a:off x="5486400" y="2980334"/>
-            <a:ext cx="2446866" cy="2940834"/>
-          </a:xfrm>
-          <a:prstGeom prst="rect">
-            <a:avLst/>
-          </a:prstGeom>
-        </p:spPr>
-      </p:pic>
     </p:spTree>
     <p:extLst>
       <p:ext uri="{BB962C8B-B14F-4D97-AF65-F5344CB8AC3E}">
@@ -11254,13 +11769,6 @@
   <p:clrMapOvr>
     <a:masterClrMapping/>
   </p:clrMapOvr>
-  <p:timing>
-    <p:tnLst>
-      <p:par>
-        <p:cTn id="1" dur="indefinite" restart="never" nodeType="tmRoot"/>
-      </p:par>
-    </p:tnLst>
-  </p:timing>
 </p:sld>
 </file>
 
@@ -11298,13 +11806,8 @@
           <a:p>
             <a:r>
               <a:rPr lang="ru-RU" dirty="0"/>
-              <a:t>Виды </a:t>
-            </a:r>
-            <a:r>
-              <a:rPr lang="ru-RU" dirty="0" smtClean="0"/>
-              <a:t>абстракций</a:t>
-            </a:r>
-            <a:endParaRPr lang="ru-RU" dirty="0"/>
+              <a:t>Виды абстракций</a:t>
+            </a:r>
           </a:p>
         </p:txBody>
       </p:sp>
@@ -11334,14 +11837,14 @@
                 <a:gridCol w="2899042">
                   <a:extLst>
                     <a:ext uri="{9D8B030D-6E8A-4147-A177-3AD203B41FA5}">
-                      <a16:colId xmlns="" xmlns:a16="http://schemas.microsoft.com/office/drawing/2014/main" val="20000"/>
+                      <a16:colId xmlns:a16="http://schemas.microsoft.com/office/drawing/2014/main" val="20000"/>
                     </a:ext>
                   </a:extLst>
                 </a:gridCol>
                 <a:gridCol w="5885934">
                   <a:extLst>
                     <a:ext uri="{9D8B030D-6E8A-4147-A177-3AD203B41FA5}">
-                      <a16:colId xmlns="" xmlns:a16="http://schemas.microsoft.com/office/drawing/2014/main" val="20001"/>
+                      <a16:colId xmlns:a16="http://schemas.microsoft.com/office/drawing/2014/main" val="20001"/>
                     </a:ext>
                   </a:extLst>
                 </a:gridCol>
@@ -11419,7 +11922,7 @@
                 </a:tc>
                 <a:extLst>
                   <a:ext uri="{0D108BD9-81ED-4DB2-BD59-A6C34878D82A}">
-                    <a16:rowId xmlns="" xmlns:a16="http://schemas.microsoft.com/office/drawing/2014/main" val="10000"/>
+                    <a16:rowId xmlns:a16="http://schemas.microsoft.com/office/drawing/2014/main" val="10000"/>
                   </a:ext>
                 </a:extLst>
               </a:tr>
@@ -11496,7 +11999,7 @@
                 </a:tc>
                 <a:extLst>
                   <a:ext uri="{0D108BD9-81ED-4DB2-BD59-A6C34878D82A}">
-                    <a16:rowId xmlns="" xmlns:a16="http://schemas.microsoft.com/office/drawing/2014/main" val="10001"/>
+                    <a16:rowId xmlns:a16="http://schemas.microsoft.com/office/drawing/2014/main" val="10001"/>
                   </a:ext>
                 </a:extLst>
               </a:tr>
@@ -11573,7 +12076,7 @@
                 </a:tc>
                 <a:extLst>
                   <a:ext uri="{0D108BD9-81ED-4DB2-BD59-A6C34878D82A}">
-                    <a16:rowId xmlns="" xmlns:a16="http://schemas.microsoft.com/office/drawing/2014/main" val="10002"/>
+                    <a16:rowId xmlns:a16="http://schemas.microsoft.com/office/drawing/2014/main" val="10002"/>
                   </a:ext>
                 </a:extLst>
               </a:tr>
@@ -11650,7 +12153,7 @@
                 </a:tc>
                 <a:extLst>
                   <a:ext uri="{0D108BD9-81ED-4DB2-BD59-A6C34878D82A}">
-                    <a16:rowId xmlns="" xmlns:a16="http://schemas.microsoft.com/office/drawing/2014/main" val="10003"/>
+                    <a16:rowId xmlns:a16="http://schemas.microsoft.com/office/drawing/2014/main" val="10003"/>
                   </a:ext>
                 </a:extLst>
               </a:tr>
@@ -11668,13 +12171,6 @@
   <p:clrMapOvr>
     <a:masterClrMapping/>
   </p:clrMapOvr>
-  <p:timing>
-    <p:tnLst>
-      <p:par>
-        <p:cTn id="1" dur="indefinite" restart="never" nodeType="tmRoot"/>
-      </p:par>
-    </p:tnLst>
-  </p:timing>
 </p:sld>
 </file>
 
@@ -11712,11 +12208,7 @@
           <a:p>
             <a:r>
               <a:rPr lang="ru-RU" dirty="0"/>
-              <a:t>Абстрагирование - </a:t>
-            </a:r>
-            <a:r>
-              <a:rPr lang="ru-RU" dirty="0"/>
-              <a:t>пример</a:t>
+              <a:t>Абстрагирование - пример</a:t>
             </a:r>
             <a:endParaRPr lang="en-US" dirty="0"/>
           </a:p>
@@ -11747,23 +12239,23 @@
           <a:p>
             <a:pPr lvl="1"/>
             <a:r>
-              <a:rPr lang="ru-RU" dirty="0" smtClean="0"/>
+              <a:rPr lang="ru-RU" dirty="0"/>
               <a:t>По традиции – компьютерная игра </a:t>
             </a:r>
             <a:r>
-              <a:rPr lang="ru-RU" dirty="0" smtClean="0">
+              <a:rPr lang="ru-RU" dirty="0">
                 <a:sym typeface="Wingdings" panose="05000000000000000000" pitchFamily="2" charset="2"/>
               </a:rPr>
               <a:t>. Например, </a:t>
             </a:r>
             <a:r>
-              <a:rPr lang="ru-RU" dirty="0" err="1" smtClean="0">
+              <a:rPr lang="ru-RU" dirty="0" err="1">
                 <a:sym typeface="Wingdings" panose="05000000000000000000" pitchFamily="2" charset="2"/>
               </a:rPr>
               <a:t>платформер</a:t>
             </a:r>
             <a:r>
-              <a:rPr lang="ru-RU" dirty="0" smtClean="0">
+              <a:rPr lang="ru-RU" dirty="0">
                 <a:sym typeface="Wingdings" panose="05000000000000000000" pitchFamily="2" charset="2"/>
               </a:rPr>
               <a:t>.</a:t>
@@ -11774,13 +12266,8 @@
             <a:pPr lvl="1"/>
             <a:r>
               <a:rPr lang="ru-RU" dirty="0"/>
-              <a:t>Наша предметная область: </a:t>
-            </a:r>
-            <a:r>
-              <a:rPr lang="ru-RU" dirty="0" smtClean="0"/>
-              <a:t>персонаж, враги, вертикальные и горизонтальные блоки и все такое. </a:t>
-            </a:r>
-            <a:endParaRPr lang="ru-RU" dirty="0"/>
+              <a:t>Наша предметная область: персонаж, враги, вертикальные и горизонтальные блоки и все такое. </a:t>
+            </a:r>
           </a:p>
           <a:p>
             <a:r>
@@ -11840,13 +12327,6 @@
   <p:clrMapOvr>
     <a:masterClrMapping/>
   </p:clrMapOvr>
-  <p:timing>
-    <p:tnLst>
-      <p:par>
-        <p:cTn id="1" dur="indefinite" restart="never" nodeType="tmRoot"/>
-      </p:par>
-    </p:tnLst>
-  </p:timing>
 </p:sld>
 </file>
 
@@ -11974,13 +12454,6 @@
   <p:clrMapOvr>
     <a:masterClrMapping/>
   </p:clrMapOvr>
-  <p:timing>
-    <p:tnLst>
-      <p:par>
-        <p:cTn id="1" dur="indefinite" restart="never" nodeType="tmRoot"/>
-      </p:par>
-    </p:tnLst>
-  </p:timing>
 </p:sld>
 </file>
 
@@ -12041,61 +12514,55 @@
           <a:p>
             <a:r>
               <a:rPr lang="ru-RU" dirty="0"/>
-              <a:t>Та же модель, рассмотрим </a:t>
-            </a:r>
-            <a:r>
-              <a:rPr lang="ru-RU" dirty="0" smtClean="0"/>
-              <a:t>Персонажа</a:t>
-            </a:r>
-            <a:endParaRPr lang="ru-RU" dirty="0"/>
-          </a:p>
-          <a:p>
-            <a:r>
-              <a:rPr lang="ru-RU" dirty="0" smtClean="0"/>
+              <a:t>Та же модель, рассмотрим Персонажа</a:t>
+            </a:r>
+          </a:p>
+          <a:p>
+            <a:r>
+              <a:rPr lang="ru-RU" dirty="0"/>
               <a:t>Что может делать объект (интерфейс):</a:t>
             </a:r>
           </a:p>
           <a:p>
             <a:pPr lvl="1"/>
             <a:r>
-              <a:rPr lang="ru-RU" dirty="0" smtClean="0"/>
+              <a:rPr lang="ru-RU" dirty="0"/>
               <a:t>Идти</a:t>
             </a:r>
           </a:p>
           <a:p>
             <a:pPr lvl="1"/>
             <a:r>
-              <a:rPr lang="ru-RU" dirty="0" smtClean="0"/>
+              <a:rPr lang="ru-RU" dirty="0"/>
               <a:t>Прыгать</a:t>
             </a:r>
           </a:p>
           <a:p>
             <a:r>
-              <a:rPr lang="ru-RU" dirty="0" smtClean="0"/>
+              <a:rPr lang="ru-RU" dirty="0"/>
               <a:t>А что внутри?</a:t>
             </a:r>
           </a:p>
           <a:p>
             <a:pPr lvl="1"/>
             <a:r>
-              <a:rPr lang="ru-RU" dirty="0" smtClean="0"/>
+              <a:rPr lang="ru-RU" dirty="0"/>
               <a:t>Надо хранить и менять координату по определенному закону </a:t>
             </a:r>
           </a:p>
           <a:p>
             <a:pPr lvl="1"/>
             <a:r>
-              <a:rPr lang="ru-RU" dirty="0" smtClean="0"/>
+              <a:rPr lang="ru-RU" dirty="0"/>
               <a:t>Надо проверять на коллизии с другими объектами</a:t>
             </a:r>
           </a:p>
           <a:p>
             <a:pPr lvl="1"/>
             <a:r>
-              <a:rPr lang="ru-RU" dirty="0" smtClean="0"/>
+              <a:rPr lang="ru-RU" dirty="0"/>
               <a:t>Надо перерисовывать изображение в соответствии с изменением координаты</a:t>
             </a:r>
-            <a:endParaRPr lang="ru-RU" dirty="0"/>
           </a:p>
           <a:p>
             <a:endParaRPr lang="ru-RU" dirty="0"/>
@@ -12112,13 +12579,6 @@
   <p:clrMapOvr>
     <a:masterClrMapping/>
   </p:clrMapOvr>
-  <p:timing>
-    <p:tnLst>
-      <p:par>
-        <p:cTn id="1" dur="indefinite" restart="never" nodeType="tmRoot"/>
-      </p:par>
-    </p:tnLst>
-  </p:timing>
 </p:sld>
 </file>
 
@@ -12219,13 +12679,6 @@
   <p:clrMapOvr>
     <a:masterClrMapping/>
   </p:clrMapOvr>
-  <p:timing>
-    <p:tnLst>
-      <p:par>
-        <p:cTn id="1" dur="indefinite" restart="never" nodeType="tmRoot"/>
-      </p:par>
-    </p:tnLst>
-  </p:timing>
 </p:sld>
 </file>
 
@@ -12285,49 +12738,41 @@
           <a:lstStyle/>
           <a:p>
             <a:r>
-              <a:rPr lang="ru-RU" dirty="0" smtClean="0"/>
+              <a:rPr lang="ru-RU" dirty="0"/>
               <a:t>Та же модель игры</a:t>
             </a:r>
           </a:p>
           <a:p>
             <a:r>
-              <a:rPr lang="ru-RU" dirty="0" smtClean="0"/>
+              <a:rPr lang="ru-RU" dirty="0"/>
               <a:t>Группируем классы</a:t>
             </a:r>
           </a:p>
           <a:p>
             <a:pPr lvl="1"/>
             <a:r>
-              <a:rPr lang="ru-RU" dirty="0" smtClean="0"/>
-              <a:t>Модуль с классами </a:t>
-            </a:r>
-            <a:r>
-              <a:rPr lang="ru-RU" dirty="0" smtClean="0"/>
-              <a:t>моделей сущностей </a:t>
-            </a:r>
-            <a:r>
-              <a:rPr lang="ru-RU" dirty="0" smtClean="0"/>
-              <a:t>игры</a:t>
+              <a:rPr lang="ru-RU" dirty="0"/>
+              <a:t>Модуль с классами моделей сущностей игры</a:t>
             </a:r>
           </a:p>
           <a:p>
             <a:pPr lvl="1"/>
             <a:r>
-              <a:rPr lang="ru-RU" dirty="0" smtClean="0"/>
+              <a:rPr lang="ru-RU" dirty="0"/>
               <a:t>Модуль с классами визуальных моделей</a:t>
             </a:r>
           </a:p>
           <a:p>
             <a:pPr lvl="1"/>
             <a:r>
-              <a:rPr lang="ru-RU" dirty="0" smtClean="0"/>
+              <a:rPr lang="ru-RU" dirty="0"/>
               <a:t>Модуль с классами общего игрового интерфейса</a:t>
             </a:r>
           </a:p>
           <a:p>
             <a:pPr lvl="1"/>
             <a:r>
-              <a:rPr lang="ru-RU" dirty="0" smtClean="0"/>
+              <a:rPr lang="ru-RU" dirty="0"/>
               <a:t>И т.д.</a:t>
             </a:r>
           </a:p>
@@ -12349,13 +12794,6 @@
   <p:clrMapOvr>
     <a:masterClrMapping/>
   </p:clrMapOvr>
-  <p:timing>
-    <p:tnLst>
-      <p:par>
-        <p:cTn id="1" dur="indefinite" restart="never" nodeType="tmRoot"/>
-      </p:par>
-    </p:tnLst>
-  </p:timing>
 </p:sld>
 </file>
 
@@ -12449,15 +12887,7 @@
             <a:pPr lvl="1"/>
             <a:r>
               <a:rPr lang="ru-RU" dirty="0"/>
-              <a:t>структура объектов (</a:t>
-            </a:r>
-            <a:r>
-              <a:rPr lang="ru-RU" dirty="0" smtClean="0"/>
-              <a:t>композиция/агрегация, </a:t>
-            </a:r>
-            <a:r>
-              <a:rPr lang="ru-RU" dirty="0"/>
-              <a:t>иерархия «содержит», "</a:t>
+              <a:t>структура объектов (композиция/агрегация, иерархия «содержит», "</a:t>
             </a:r>
             <a:r>
               <a:rPr lang="ru-RU" dirty="0" err="1"/>
@@ -12540,13 +12970,6 @@
   <p:clrMapOvr>
     <a:masterClrMapping/>
   </p:clrMapOvr>
-  <p:timing>
-    <p:tnLst>
-      <p:par>
-        <p:cTn id="1" dur="indefinite" restart="never" nodeType="tmRoot"/>
-      </p:par>
-    </p:tnLst>
-  </p:timing>
 </p:sld>
 </file>
 
@@ -12584,11 +13007,7 @@
           <a:p>
             <a:r>
               <a:rPr lang="ru-RU" dirty="0"/>
-              <a:t>Иерархия – пример </a:t>
-            </a:r>
-            <a:r>
-              <a:rPr lang="ru-RU" dirty="0" smtClean="0"/>
-              <a:t>композиции/агрегации</a:t>
+              <a:t>Иерархия – пример композиции/агрегации</a:t>
             </a:r>
             <a:endParaRPr lang="en-US" dirty="0"/>
           </a:p>
@@ -12612,55 +13031,55 @@
           <a:lstStyle/>
           <a:p>
             <a:r>
-              <a:rPr lang="ru-RU" dirty="0" smtClean="0"/>
+              <a:rPr lang="ru-RU" dirty="0"/>
               <a:t>Снова модель игр, но чуть посложнее</a:t>
             </a:r>
           </a:p>
           <a:p>
             <a:r>
-              <a:rPr lang="ru-RU" dirty="0" smtClean="0"/>
+              <a:rPr lang="ru-RU" dirty="0"/>
               <a:t>Группа юнитов – агрегация объектов</a:t>
             </a:r>
           </a:p>
           <a:p>
             <a:pPr lvl="1"/>
             <a:r>
-              <a:rPr lang="ru-RU" dirty="0" smtClean="0"/>
+              <a:rPr lang="ru-RU" dirty="0"/>
               <a:t>Управляем классом Отряд – он принимает общие решения (например, прокладка пути отряда) и делегирует управление деталями классам Юнит (</a:t>
             </a:r>
             <a:r>
-              <a:rPr lang="ru-RU" dirty="0" err="1" smtClean="0"/>
+              <a:rPr lang="ru-RU" dirty="0" err="1"/>
               <a:t>отрисовка</a:t>
             </a:r>
             <a:r>
-              <a:rPr lang="ru-RU" dirty="0" smtClean="0"/>
+              <a:rPr lang="ru-RU" dirty="0"/>
               <a:t> действий, например).</a:t>
             </a:r>
           </a:p>
           <a:p>
             <a:pPr lvl="1"/>
             <a:r>
-              <a:rPr lang="ru-RU" dirty="0" smtClean="0"/>
+              <a:rPr lang="ru-RU" dirty="0"/>
               <a:t>Отряд можно распустить и пересобрать.</a:t>
             </a:r>
           </a:p>
           <a:p>
             <a:r>
-              <a:rPr lang="ru-RU" dirty="0" smtClean="0"/>
+              <a:rPr lang="ru-RU" dirty="0"/>
               <a:t>Сложные составные объекты – композиция объектов</a:t>
             </a:r>
           </a:p>
           <a:p>
             <a:pPr lvl="1"/>
             <a:r>
-              <a:rPr lang="ru-RU" dirty="0" smtClean="0"/>
+              <a:rPr lang="ru-RU" dirty="0"/>
               <a:t>Моделируем танк – включаем в него модули Двигатель, Орудие, Башня, Гусеницы и т.п.</a:t>
             </a:r>
           </a:p>
           <a:p>
             <a:pPr lvl="1"/>
             <a:r>
-              <a:rPr lang="ru-RU" dirty="0" smtClean="0"/>
+              <a:rPr lang="ru-RU" dirty="0"/>
               <a:t>Модуль не существует отдельно от Танка, а Танк – без Модуля.</a:t>
             </a:r>
           </a:p>
@@ -12679,13 +13098,6 @@
   <p:clrMapOvr>
     <a:masterClrMapping/>
   </p:clrMapOvr>
-  <p:timing>
-    <p:tnLst>
-      <p:par>
-        <p:cTn id="1" dur="indefinite" restart="never" nodeType="tmRoot"/>
-      </p:par>
-    </p:tnLst>
-  </p:timing>
 </p:sld>
 </file>
 
@@ -12747,83 +13159,82 @@
           <a:lstStyle/>
           <a:p>
             <a:r>
-              <a:rPr lang="ru-RU" dirty="0" smtClean="0"/>
+              <a:rPr lang="ru-RU" dirty="0"/>
               <a:t>Возвращаемся к модели </a:t>
             </a:r>
             <a:r>
-              <a:rPr lang="ru-RU" dirty="0" err="1" smtClean="0"/>
+              <a:rPr lang="ru-RU" dirty="0" err="1"/>
               <a:t>платформера</a:t>
             </a:r>
-            <a:endParaRPr lang="ru-RU" dirty="0" smtClean="0"/>
-          </a:p>
-          <a:p>
-            <a:r>
-              <a:rPr lang="ru-RU" dirty="0" smtClean="0"/>
+            <a:endParaRPr lang="ru-RU" dirty="0"/>
+          </a:p>
+          <a:p>
+            <a:r>
+              <a:rPr lang="ru-RU" dirty="0"/>
               <a:t>Игровой персонаж и враги</a:t>
             </a:r>
           </a:p>
           <a:p>
             <a:pPr lvl="1"/>
             <a:r>
-              <a:rPr lang="ru-RU" dirty="0" smtClean="0"/>
+              <a:rPr lang="ru-RU" dirty="0"/>
               <a:t>много общего</a:t>
             </a:r>
           </a:p>
           <a:p>
             <a:pPr lvl="2"/>
             <a:r>
-              <a:rPr lang="ru-RU" dirty="0" smtClean="0"/>
+              <a:rPr lang="ru-RU" dirty="0"/>
               <a:t>Свойства – координаты, состояние здоровья, сила атаки</a:t>
             </a:r>
           </a:p>
           <a:p>
             <a:pPr lvl="2"/>
             <a:r>
-              <a:rPr lang="ru-RU" dirty="0" smtClean="0"/>
+              <a:rPr lang="ru-RU" dirty="0"/>
               <a:t>Поведение – перемещение, атака и т.п.</a:t>
             </a:r>
           </a:p>
           <a:p>
             <a:pPr lvl="1"/>
             <a:r>
-              <a:rPr lang="ru-RU" dirty="0" smtClean="0"/>
+              <a:rPr lang="ru-RU" dirty="0"/>
               <a:t>но есть и разница – в поведении, возможностях и т.п.</a:t>
             </a:r>
-            <a:endParaRPr lang="ru-RU" dirty="0"/>
-          </a:p>
-          <a:p>
-            <a:r>
-              <a:rPr lang="ru-RU" dirty="0" smtClean="0"/>
+          </a:p>
+          <a:p>
+            <a:r>
+              <a:rPr lang="ru-RU" dirty="0"/>
               <a:t>Решение</a:t>
             </a:r>
           </a:p>
           <a:p>
             <a:pPr lvl="1"/>
             <a:r>
-              <a:rPr lang="ru-RU" dirty="0" smtClean="0"/>
+              <a:rPr lang="ru-RU" dirty="0"/>
               <a:t>вынести общие свойства и поведение в суперкласс (общего предка) Персонаж</a:t>
             </a:r>
           </a:p>
           <a:p>
             <a:pPr lvl="1"/>
             <a:r>
-              <a:rPr lang="ru-RU" dirty="0" smtClean="0"/>
+              <a:rPr lang="ru-RU" dirty="0"/>
               <a:t>частности реализовать в классах </a:t>
             </a:r>
             <a:r>
-              <a:rPr lang="ru-RU" dirty="0" err="1" smtClean="0"/>
+              <a:rPr lang="ru-RU" dirty="0" err="1"/>
               <a:t>ИгровойПерсонаж</a:t>
             </a:r>
             <a:r>
-              <a:rPr lang="ru-RU" dirty="0" smtClean="0"/>
+              <a:rPr lang="ru-RU" dirty="0"/>
               <a:t> и </a:t>
             </a:r>
             <a:r>
-              <a:rPr lang="en-US" dirty="0" smtClean="0"/>
+              <a:rPr lang="en-US" dirty="0"/>
               <a:t>NPC</a:t>
             </a:r>
             <a:r>
-              <a:rPr lang="ru-RU" dirty="0" smtClean="0"/>
+              <a:rPr lang="ru-RU" dirty="0"/>
               <a:t> (неигровой персонаж), наследующих от Персонажа общие свойства и поведение</a:t>
             </a:r>
             <a:endParaRPr lang="en-US" dirty="0"/>
@@ -12840,13 +13251,6 @@
   <p:clrMapOvr>
     <a:masterClrMapping/>
   </p:clrMapOvr>
-  <p:timing>
-    <p:tnLst>
-      <p:par>
-        <p:cTn id="1" dur="indefinite" restart="never" nodeType="tmRoot"/>
-      </p:par>
-    </p:tnLst>
-  </p:timing>
 </p:sld>
 </file>
 
@@ -12923,14 +13327,10 @@
             </a:r>
             <a:r>
               <a:rPr lang="ru-RU" sz="4800"/>
-              <a:t>программного </a:t>
-            </a:r>
-            <a:r>
-              <a:rPr lang="ru-RU" sz="4800" smtClean="0"/>
-              <a:t>обеспечения </a:t>
-            </a:r>
-            <a:r>
-              <a:rPr lang="ru-RU" sz="4800" i="1" smtClean="0"/>
+              <a:t>программного обеспечения </a:t>
+            </a:r>
+            <a:r>
+              <a:rPr lang="ru-RU" sz="4800" i="1"/>
               <a:t>(и не только…)</a:t>
             </a:r>
             <a:endParaRPr lang="ru-RU" sz="4800" i="1" dirty="0"/>
@@ -12947,13 +13347,6 @@
   <p:clrMapOvr>
     <a:masterClrMapping/>
   </p:clrMapOvr>
-  <p:timing>
-    <p:tnLst>
-      <p:par>
-        <p:cTn id="1" dur="indefinite" restart="never" nodeType="tmRoot"/>
-      </p:par>
-    </p:tnLst>
-  </p:timing>
 </p:sld>
 </file>
 
@@ -13050,13 +13443,6 @@
   <p:clrMapOvr>
     <a:masterClrMapping/>
   </p:clrMapOvr>
-  <p:timing>
-    <p:tnLst>
-      <p:par>
-        <p:cTn id="1" dur="indefinite" restart="never" nodeType="tmRoot"/>
-      </p:par>
-    </p:tnLst>
-  </p:timing>
 </p:sld>
 </file>
 
@@ -13093,7 +13479,7 @@
           <a:lstStyle/>
           <a:p>
             <a:r>
-              <a:rPr lang="ru-RU" dirty="0" smtClean="0"/>
+              <a:rPr lang="ru-RU" dirty="0"/>
               <a:t>Типизация - пример</a:t>
             </a:r>
             <a:endParaRPr lang="en-US" dirty="0"/>
@@ -13116,13 +13502,13 @@
           <a:lstStyle/>
           <a:p>
             <a:r>
-              <a:rPr lang="ru-RU" dirty="0" smtClean="0"/>
+              <a:rPr lang="ru-RU" dirty="0"/>
               <a:t>Та же игровая модель</a:t>
             </a:r>
           </a:p>
           <a:p>
             <a:r>
-              <a:rPr lang="ru-RU" dirty="0" smtClean="0"/>
+              <a:rPr lang="ru-RU" dirty="0"/>
               <a:t>От класса </a:t>
             </a:r>
             <a:r>
@@ -13130,34 +13516,34 @@
               <a:t>NPC </a:t>
             </a:r>
             <a:r>
-              <a:rPr lang="ru-RU" dirty="0" smtClean="0"/>
+              <a:rPr lang="ru-RU" dirty="0"/>
               <a:t>порождаем 2 производных подкласса</a:t>
             </a:r>
           </a:p>
           <a:p>
             <a:pPr lvl="1"/>
             <a:r>
-              <a:rPr lang="ru-RU" dirty="0" smtClean="0"/>
+              <a:rPr lang="ru-RU" dirty="0"/>
               <a:t>Лучник – имеет поведение Стрелять</a:t>
             </a:r>
           </a:p>
           <a:p>
             <a:pPr lvl="1"/>
             <a:r>
-              <a:rPr lang="ru-RU" dirty="0" smtClean="0"/>
+              <a:rPr lang="ru-RU" dirty="0"/>
               <a:t>Мечник – имеет поведение Бить</a:t>
             </a:r>
           </a:p>
           <a:p>
             <a:r>
-              <a:rPr lang="ru-RU" dirty="0" smtClean="0"/>
+              <a:rPr lang="ru-RU" dirty="0"/>
               <a:t>Когда мы создаем экземпляры этих объектов – мы создаем переменные нужного типа*</a:t>
             </a:r>
           </a:p>
           <a:p>
             <a:pPr lvl="1"/>
             <a:r>
-              <a:rPr lang="ru-RU" dirty="0" smtClean="0"/>
+              <a:rPr lang="ru-RU" dirty="0"/>
               <a:t>Проверка типов компилятором позволяет убедиться, что мы не пытаемся Мечника заставить Стрелять и наоборот – это вызовет ошибку компиляции.</a:t>
             </a:r>
             <a:endParaRPr lang="en-US" dirty="0"/>
@@ -13186,16 +13572,8 @@
           <a:lstStyle/>
           <a:p>
             <a:r>
-              <a:rPr lang="ru-RU" i="1" dirty="0" smtClean="0"/>
-              <a:t>* чаще </a:t>
-            </a:r>
-            <a:r>
               <a:rPr lang="ru-RU" i="1" dirty="0"/>
-              <a:t>– указатели на нужный тип, но об этом </a:t>
-            </a:r>
-            <a:r>
-              <a:rPr lang="ru-RU" i="1" dirty="0" smtClean="0"/>
-              <a:t>будем говорить позже</a:t>
+              <a:t>* чаще – указатели на нужный тип, но об этом будем говорить позже</a:t>
             </a:r>
             <a:endParaRPr lang="en-US" dirty="0"/>
           </a:p>
@@ -13211,13 +13589,6 @@
   <p:clrMapOvr>
     <a:masterClrMapping/>
   </p:clrMapOvr>
-  <p:timing>
-    <p:tnLst>
-      <p:par>
-        <p:cTn id="1" dur="indefinite" restart="never" nodeType="tmRoot"/>
-      </p:par>
-    </p:tnLst>
-  </p:timing>
 </p:sld>
 </file>
 
@@ -13279,14 +13650,14 @@
           <a:lstStyle/>
           <a:p>
             <a:r>
-              <a:rPr lang="ru-RU" dirty="0" smtClean="0"/>
+              <a:rPr lang="ru-RU" dirty="0"/>
               <a:t>Продолжаем работать с той же моделью</a:t>
             </a:r>
           </a:p>
           <a:p>
             <a:pPr lvl="1"/>
             <a:r>
-              <a:rPr lang="ru-RU" dirty="0" smtClean="0"/>
+              <a:rPr lang="ru-RU" dirty="0"/>
               <a:t>Классы Лучник и Мечник унаследовали от предка </a:t>
             </a:r>
             <a:r>
@@ -13294,40 +13665,40 @@
               <a:t>NPC </a:t>
             </a:r>
             <a:r>
-              <a:rPr lang="ru-RU" dirty="0" smtClean="0"/>
+              <a:rPr lang="ru-RU" dirty="0"/>
               <a:t>поведение Перемещаться.</a:t>
             </a:r>
           </a:p>
           <a:p>
             <a:r>
-              <a:rPr lang="ru-RU" dirty="0" smtClean="0"/>
+              <a:rPr lang="ru-RU" dirty="0"/>
               <a:t>В таком случае, мы можем заставлять Перемещаться и экземпляры (переменные) класса Лучник и класса Мечник. </a:t>
             </a:r>
           </a:p>
           <a:p>
             <a:pPr lvl="1"/>
             <a:r>
-              <a:rPr lang="ru-RU" dirty="0" smtClean="0"/>
+              <a:rPr lang="ru-RU" dirty="0"/>
               <a:t>Пусть Вася – Лучник</a:t>
             </a:r>
           </a:p>
           <a:p>
             <a:pPr lvl="1"/>
             <a:r>
-              <a:rPr lang="ru-RU" dirty="0" smtClean="0"/>
+              <a:rPr lang="ru-RU" dirty="0"/>
               <a:t>А Петя – Мечник</a:t>
             </a:r>
           </a:p>
           <a:p>
             <a:r>
-              <a:rPr lang="ru-RU" dirty="0" smtClean="0"/>
+              <a:rPr lang="ru-RU" dirty="0"/>
               <a:t>Мы можем заставить Перемещаться и Васю, и Петю по отдельности:</a:t>
             </a:r>
           </a:p>
           <a:p>
             <a:pPr lvl="1"/>
             <a:r>
-              <a:rPr lang="ru-RU" dirty="0" smtClean="0"/>
+              <a:rPr lang="ru-RU" dirty="0"/>
               <a:t>Можем, как бы, сказать Васе :«ты Лучник, а значит </a:t>
             </a:r>
             <a:r>
@@ -13335,18 +13706,14 @@
               <a:t>NPC</a:t>
             </a:r>
             <a:r>
-              <a:rPr lang="ru-RU" dirty="0" smtClean="0"/>
+              <a:rPr lang="ru-RU" dirty="0"/>
               <a:t>, а значит умеешь Перемещаться. Переместись сюда». Аналогично с Петей.</a:t>
             </a:r>
           </a:p>
           <a:p>
             <a:r>
-              <a:rPr lang="ru-RU" dirty="0" smtClean="0"/>
-              <a:t>А </a:t>
-            </a:r>
-            <a:r>
-              <a:rPr lang="ru-RU" dirty="0"/>
-              <a:t>теперь объединим их в Отряд:</a:t>
+              <a:rPr lang="ru-RU" dirty="0"/>
+              <a:t>А теперь объединим их в Отряд:</a:t>
             </a:r>
           </a:p>
           <a:p>
@@ -13394,7 +13761,7 @@
             <a:pPr marL="457200" lvl="1" indent="0">
               <a:buNone/>
             </a:pPr>
-            <a:endParaRPr lang="ru-RU" dirty="0" smtClean="0"/>
+            <a:endParaRPr lang="ru-RU" dirty="0"/>
           </a:p>
           <a:p>
             <a:pPr marL="457200" lvl="1" indent="0">
@@ -13414,13 +13781,6 @@
   <p:clrMapOvr>
     <a:masterClrMapping/>
   </p:clrMapOvr>
-  <p:timing>
-    <p:tnLst>
-      <p:par>
-        <p:cTn id="1" dur="indefinite" restart="never" nodeType="tmRoot"/>
-      </p:par>
-    </p:tnLst>
-  </p:timing>
 </p:sld>
 </file>
 
@@ -13487,14 +13847,14 @@
           <a:lstStyle/>
           <a:p>
             <a:r>
-              <a:rPr lang="ru-RU" dirty="0" smtClean="0"/>
+              <a:rPr lang="ru-RU" dirty="0"/>
               <a:t>Т.к. поведение и структура, определенные суперклассом, наследуются всеми потомками, значит у любого потомка они гарантированно присутствуют.</a:t>
             </a:r>
           </a:p>
           <a:p>
             <a:pPr lvl="1"/>
             <a:r>
-              <a:rPr lang="ru-RU" dirty="0" smtClean="0"/>
+              <a:rPr lang="ru-RU" dirty="0"/>
               <a:t>И Лучник и Мечник унаследовали от </a:t>
             </a:r>
             <a:r>
@@ -13502,57 +13862,57 @@
               <a:t>NPC </a:t>
             </a:r>
             <a:r>
-              <a:rPr lang="ru-RU" dirty="0" smtClean="0"/>
+              <a:rPr lang="ru-RU" dirty="0"/>
               <a:t>способность Перемещаться</a:t>
             </a:r>
           </a:p>
           <a:p>
             <a:r>
-              <a:rPr lang="ru-RU" dirty="0" smtClean="0"/>
+              <a:rPr lang="ru-RU" dirty="0"/>
               <a:t>Значит, все свойства и поведение предка можно использовать, обращаясь к ним, независимо от того, какого типа на самом деле потомок.</a:t>
             </a:r>
           </a:p>
           <a:p>
             <a:pPr lvl="1"/>
             <a:r>
-              <a:rPr lang="ru-RU" dirty="0" smtClean="0"/>
+              <a:rPr lang="ru-RU" dirty="0"/>
               <a:t>Можно заставить Перемещаться любого </a:t>
-            </a:r>
-            <a:r>
-              <a:rPr lang="en-US" dirty="0" smtClean="0"/>
-              <a:t>NPC</a:t>
-            </a:r>
-            <a:r>
-              <a:rPr lang="ru-RU" dirty="0" smtClean="0"/>
-              <a:t>,мы это видели ранее</a:t>
-            </a:r>
-          </a:p>
-          <a:p>
-            <a:r>
-              <a:rPr lang="ru-RU" dirty="0" smtClean="0"/>
-              <a:t>Значит, работать с экземпляром любого подкласса можно через переменную типа суперкласса, от которого унаследовано нужное поведение</a:t>
-            </a:r>
-          </a:p>
-          <a:p>
-            <a:pPr lvl="1"/>
-            <a:r>
-              <a:rPr lang="ru-RU" dirty="0" smtClean="0"/>
-              <a:t>Если я хочу заставить Перемещаться любого </a:t>
-            </a:r>
-            <a:r>
-              <a:rPr lang="en-US" dirty="0" smtClean="0"/>
-              <a:t>NPC </a:t>
-            </a:r>
-            <a:r>
-              <a:rPr lang="ru-RU" dirty="0" smtClean="0"/>
-              <a:t>– мне все равно, Лучник это или Мечник, я могу, как бы, обратиться к нему: «так, я знаю, ты - </a:t>
             </a:r>
             <a:r>
               <a:rPr lang="en-US" dirty="0"/>
               <a:t>NPC</a:t>
             </a:r>
             <a:r>
-              <a:rPr lang="ru-RU" dirty="0" smtClean="0"/>
+              <a:rPr lang="ru-RU" dirty="0"/>
+              <a:t>,мы это видели ранее</a:t>
+            </a:r>
+          </a:p>
+          <a:p>
+            <a:r>
+              <a:rPr lang="ru-RU" dirty="0"/>
+              <a:t>Значит, работать с экземпляром любого подкласса можно через переменную типа суперкласса, от которого унаследовано нужное поведение</a:t>
+            </a:r>
+          </a:p>
+          <a:p>
+            <a:pPr lvl="1"/>
+            <a:r>
+              <a:rPr lang="ru-RU" dirty="0"/>
+              <a:t>Если я хочу заставить Перемещаться любого </a:t>
+            </a:r>
+            <a:r>
+              <a:rPr lang="en-US" dirty="0"/>
+              <a:t>NPC </a:t>
+            </a:r>
+            <a:r>
+              <a:rPr lang="ru-RU" dirty="0"/>
+              <a:t>– мне все равно, Лучник это или Мечник, я могу, как бы, обратиться к нему: «так, я знаю, ты - </a:t>
+            </a:r>
+            <a:r>
+              <a:rPr lang="en-US" dirty="0"/>
+              <a:t>NPC</a:t>
+            </a:r>
+            <a:r>
+              <a:rPr lang="ru-RU" dirty="0"/>
               <a:t>, и умеешь Перемещаться, Перемещайся туда-то»</a:t>
             </a:r>
             <a:endParaRPr lang="en-US" dirty="0"/>
@@ -13569,13 +13929,6 @@
   <p:clrMapOvr>
     <a:masterClrMapping/>
   </p:clrMapOvr>
-  <p:timing>
-    <p:tnLst>
-      <p:par>
-        <p:cTn id="1" dur="indefinite" restart="never" nodeType="tmRoot"/>
-      </p:par>
-    </p:tnLst>
-  </p:timing>
 </p:sld>
 </file>
 
@@ -13637,26 +13990,26 @@
           <a:lstStyle/>
           <a:p>
             <a:r>
-              <a:rPr lang="ru-RU" dirty="0" smtClean="0"/>
+              <a:rPr lang="ru-RU" dirty="0"/>
               <a:t>Итак, смоделировать отряд можно как массив объектов типа </a:t>
             </a:r>
             <a:r>
               <a:rPr lang="en-US" dirty="0"/>
               <a:t>NPC</a:t>
             </a:r>
-            <a:endParaRPr lang="ru-RU" dirty="0" smtClean="0"/>
+            <a:endParaRPr lang="ru-RU" dirty="0"/>
           </a:p>
           <a:p>
             <a:pPr lvl="1"/>
             <a:r>
-              <a:rPr lang="ru-RU" dirty="0" smtClean="0"/>
+              <a:rPr lang="ru-RU" dirty="0"/>
               <a:t>Каждый из этих объектов на самом деле может быть либо Лучником, либо Мечником</a:t>
             </a:r>
           </a:p>
           <a:p>
             <a:pPr lvl="1"/>
             <a:r>
-              <a:rPr lang="ru-RU" dirty="0" smtClean="0"/>
+              <a:rPr lang="ru-RU" dirty="0"/>
               <a:t>Компилятор разрешит нам присваивать переменной типа </a:t>
             </a:r>
             <a:r>
@@ -13664,14 +14017,14 @@
               <a:t>NPC </a:t>
             </a:r>
             <a:r>
-              <a:rPr lang="ru-RU" dirty="0" smtClean="0"/>
+              <a:rPr lang="ru-RU" dirty="0"/>
               <a:t>экземпляры подтипов Лучник и Мечник</a:t>
             </a:r>
           </a:p>
           <a:p>
             <a:pPr lvl="1"/>
             <a:r>
-              <a:rPr lang="ru-RU" dirty="0" smtClean="0"/>
+              <a:rPr lang="ru-RU" dirty="0"/>
               <a:t>Естественно, работая с ними как просто с </a:t>
             </a:r>
             <a:r>
@@ -13679,7 +14032,7 @@
               <a:t>NPC </a:t>
             </a:r>
             <a:r>
-              <a:rPr lang="ru-RU" dirty="0" smtClean="0"/>
+              <a:rPr lang="ru-RU" dirty="0"/>
               <a:t>мы не сможем ни Бить, ни Стрелять – базовый </a:t>
             </a:r>
             <a:r>
@@ -13687,13 +14040,13 @@
               <a:t>NPC </a:t>
             </a:r>
             <a:r>
-              <a:rPr lang="ru-RU" dirty="0" smtClean="0"/>
+              <a:rPr lang="ru-RU" dirty="0"/>
               <a:t>этого не умеет, и компилятор нам такого не позволит.</a:t>
             </a:r>
           </a:p>
           <a:p>
             <a:r>
-              <a:rPr lang="ru-RU" dirty="0" smtClean="0"/>
+              <a:rPr lang="ru-RU" dirty="0"/>
               <a:t>Тогда алгоритм перемещения отряда выглядит элементарно: </a:t>
             </a:r>
           </a:p>
@@ -13703,15 +14056,15 @@
               <a:buAutoNum type="arabicPeriod"/>
             </a:pPr>
             <a:r>
-              <a:rPr lang="ru-RU" dirty="0" smtClean="0"/>
+              <a:rPr lang="ru-RU" dirty="0"/>
               <a:t>Текущий</a:t>
             </a:r>
             <a:r>
-              <a:rPr lang="en-US" dirty="0" smtClean="0"/>
+              <a:rPr lang="en-US" dirty="0"/>
               <a:t>NPC</a:t>
             </a:r>
             <a:r>
-              <a:rPr lang="ru-RU" dirty="0" smtClean="0"/>
+              <a:rPr lang="ru-RU" dirty="0"/>
               <a:t> = первый попавшийся </a:t>
             </a:r>
             <a:r>
@@ -13719,7 +14072,7 @@
               <a:t>NPC </a:t>
             </a:r>
             <a:r>
-              <a:rPr lang="ru-RU" dirty="0" smtClean="0"/>
+              <a:rPr lang="ru-RU" dirty="0"/>
               <a:t>из Отряда</a:t>
             </a:r>
           </a:p>
@@ -13729,15 +14082,15 @@
               <a:buAutoNum type="arabicPeriod"/>
             </a:pPr>
             <a:r>
-              <a:rPr lang="ru-RU" dirty="0" smtClean="0"/>
+              <a:rPr lang="ru-RU" dirty="0"/>
               <a:t>заставить Текущего</a:t>
             </a:r>
             <a:r>
-              <a:rPr lang="en-US" dirty="0" smtClean="0"/>
+              <a:rPr lang="en-US" dirty="0"/>
               <a:t>NPC</a:t>
             </a:r>
             <a:r>
-              <a:rPr lang="ru-RU" dirty="0" smtClean="0"/>
+              <a:rPr lang="ru-RU" dirty="0"/>
               <a:t> Переместиться в нужную сторону</a:t>
             </a:r>
           </a:p>
@@ -13747,28 +14100,16 @@
               <a:buAutoNum type="arabicPeriod"/>
             </a:pPr>
             <a:r>
-              <a:rPr lang="ru-RU" dirty="0" smtClean="0"/>
+              <a:rPr lang="ru-RU" dirty="0"/>
               <a:t>Текущий</a:t>
             </a:r>
             <a:r>
-              <a:rPr lang="en-US" dirty="0" smtClean="0"/>
+              <a:rPr lang="en-US" dirty="0"/>
               <a:t>NPC</a:t>
             </a:r>
             <a:r>
-              <a:rPr lang="ru-RU" dirty="0" smtClean="0"/>
-              <a:t> </a:t>
-            </a:r>
-            <a:r>
-              <a:rPr lang="ru-RU" dirty="0"/>
-              <a:t>= </a:t>
-            </a:r>
-            <a:r>
-              <a:rPr lang="ru-RU" dirty="0" smtClean="0"/>
-              <a:t>следующий НПЦ </a:t>
-            </a:r>
-            <a:r>
-              <a:rPr lang="ru-RU" dirty="0"/>
-              <a:t>из Отряда</a:t>
+              <a:rPr lang="ru-RU" dirty="0"/>
+              <a:t> = следующий НПЦ из Отряда</a:t>
             </a:r>
           </a:p>
           <a:p>
@@ -13777,7 +14118,7 @@
               <a:buAutoNum type="arabicPeriod"/>
             </a:pPr>
             <a:r>
-              <a:rPr lang="ru-RU" dirty="0" smtClean="0"/>
+              <a:rPr lang="ru-RU" dirty="0"/>
               <a:t>Если Отряд еще не закончился – идем к п. 2.</a:t>
             </a:r>
             <a:endParaRPr lang="en-US" dirty="0"/>
@@ -13794,13 +14135,6 @@
   <p:clrMapOvr>
     <a:masterClrMapping/>
   </p:clrMapOvr>
-  <p:timing>
-    <p:tnLst>
-      <p:par>
-        <p:cTn id="1" dur="indefinite" restart="never" nodeType="tmRoot"/>
-      </p:par>
-    </p:tnLst>
-  </p:timing>
 </p:sld>
 </file>
 
@@ -13889,13 +14223,6 @@
   <p:clrMapOvr>
     <a:masterClrMapping/>
   </p:clrMapOvr>
-  <p:timing>
-    <p:tnLst>
-      <p:par>
-        <p:cTn id="1" dur="indefinite" restart="never" nodeType="tmRoot"/>
-      </p:par>
-    </p:tnLst>
-  </p:timing>
 </p:sld>
 </file>
 
@@ -13957,21 +14284,21 @@
           <a:lstStyle/>
           <a:p>
             <a:r>
-              <a:rPr lang="ru-RU" dirty="0" smtClean="0"/>
+              <a:rPr lang="ru-RU" dirty="0"/>
               <a:t>Научим наш отряд драться вместе</a:t>
             </a:r>
           </a:p>
           <a:p>
             <a:r>
-              <a:rPr lang="ru-RU" dirty="0" smtClean="0"/>
+              <a:rPr lang="ru-RU" dirty="0"/>
               <a:t>Добавим в иерархию класс Боевой</a:t>
             </a:r>
             <a:r>
-              <a:rPr lang="en-US" dirty="0" smtClean="0"/>
+              <a:rPr lang="en-US" dirty="0"/>
               <a:t>NPC</a:t>
             </a:r>
             <a:r>
-              <a:rPr lang="ru-RU" dirty="0" smtClean="0"/>
+              <a:rPr lang="ru-RU" dirty="0"/>
               <a:t> между классами </a:t>
             </a:r>
             <a:r>
@@ -13979,22 +14306,22 @@
               <a:t>NPC </a:t>
             </a:r>
             <a:r>
-              <a:rPr lang="ru-RU" dirty="0" smtClean="0"/>
+              <a:rPr lang="ru-RU" dirty="0"/>
               <a:t>и Лучник/Мечник. </a:t>
             </a:r>
           </a:p>
           <a:p>
             <a:pPr lvl="1"/>
             <a:r>
-              <a:rPr lang="ru-RU" dirty="0" smtClean="0"/>
+              <a:rPr lang="ru-RU" dirty="0"/>
               <a:t>Боевой</a:t>
             </a:r>
             <a:r>
-              <a:rPr lang="en-US" dirty="0" smtClean="0"/>
+              <a:rPr lang="en-US" dirty="0"/>
               <a:t>NPC</a:t>
             </a:r>
             <a:r>
-              <a:rPr lang="ru-RU" dirty="0" smtClean="0"/>
+              <a:rPr lang="ru-RU" dirty="0"/>
               <a:t> наследует от </a:t>
             </a:r>
             <a:r>
@@ -14002,7 +14329,7 @@
               <a:t>NPC </a:t>
             </a:r>
             <a:r>
-              <a:rPr lang="ru-RU" dirty="0" smtClean="0"/>
+              <a:rPr lang="ru-RU" dirty="0"/>
               <a:t>Перемещение, а от него – его наследуют Лучник/Мечник</a:t>
             </a:r>
           </a:p>
@@ -14017,33 +14344,33 @@
               <a:t>NPC</a:t>
             </a:r>
             <a:r>
-              <a:rPr lang="ru-RU" dirty="0" smtClean="0"/>
+              <a:rPr lang="ru-RU" dirty="0"/>
               <a:t> вводит поведение Атаковать, но не определяет его пока никак.</a:t>
             </a:r>
           </a:p>
           <a:p>
             <a:r>
-              <a:rPr lang="ru-RU" dirty="0" smtClean="0"/>
+              <a:rPr lang="ru-RU" dirty="0"/>
               <a:t>В классах Лучник и Мечник переопределим поведение Атаковать:</a:t>
             </a:r>
           </a:p>
           <a:p>
             <a:pPr lvl="1"/>
             <a:r>
-              <a:rPr lang="ru-RU" dirty="0" smtClean="0"/>
+              <a:rPr lang="ru-RU" dirty="0"/>
               <a:t>Для лучника – как вызов поведения Стрелять</a:t>
             </a:r>
           </a:p>
           <a:p>
             <a:pPr lvl="1"/>
             <a:r>
-              <a:rPr lang="ru-RU" dirty="0" smtClean="0"/>
+              <a:rPr lang="ru-RU" dirty="0"/>
               <a:t>Для мечника – как вызов поведения Бить</a:t>
             </a:r>
           </a:p>
           <a:p>
             <a:r>
-              <a:rPr lang="ru-RU" dirty="0" smtClean="0"/>
+              <a:rPr lang="ru-RU" dirty="0"/>
               <a:t>Заставляем отряд Атаковать вместе по аналогии с Перемещением</a:t>
             </a:r>
           </a:p>
@@ -14063,13 +14390,6 @@
   <p:clrMapOvr>
     <a:masterClrMapping/>
   </p:clrMapOvr>
-  <p:timing>
-    <p:tnLst>
-      <p:par>
-        <p:cTn id="1" dur="indefinite" restart="never" nodeType="tmRoot"/>
-      </p:par>
-    </p:tnLst>
-  </p:timing>
 </p:sld>
 </file>
 
@@ -14136,29 +14456,20 @@
           <a:lstStyle/>
           <a:p>
             <a:r>
-              <a:rPr lang="ru-RU" dirty="0" smtClean="0"/>
-              <a:t>Переопределим Отряд как </a:t>
-            </a:r>
-            <a:r>
-              <a:rPr lang="ru-RU" dirty="0"/>
-              <a:t>как массив объектов типа </a:t>
-            </a:r>
-            <a:r>
-              <a:rPr lang="ru-RU" dirty="0" smtClean="0"/>
-              <a:t>Боевой</a:t>
-            </a:r>
-            <a:r>
-              <a:rPr lang="en-US" dirty="0" smtClean="0"/>
+              <a:rPr lang="ru-RU" dirty="0"/>
+              <a:t>Переопределим Отряд как как массив объектов типа Боевой</a:t>
+            </a:r>
+            <a:r>
+              <a:rPr lang="en-US" dirty="0"/>
               <a:t>NPC</a:t>
             </a:r>
-            <a:endParaRPr lang="ru-RU" dirty="0" smtClean="0"/>
-          </a:p>
-          <a:p>
-            <a:r>
-              <a:rPr lang="ru-RU" dirty="0" smtClean="0"/>
+            <a:endParaRPr lang="ru-RU" dirty="0"/>
+          </a:p>
+          <a:p>
+            <a:r>
+              <a:rPr lang="ru-RU" dirty="0"/>
               <a:t>Алгоритм атаки отряда: </a:t>
             </a:r>
-            <a:endParaRPr lang="ru-RU" dirty="0"/>
           </a:p>
           <a:p>
             <a:pPr marL="914400" lvl="1" indent="-457200">
@@ -14166,27 +14477,19 @@
               <a:buAutoNum type="arabicPeriod"/>
             </a:pPr>
             <a:r>
-              <a:rPr lang="ru-RU" dirty="0" err="1" smtClean="0"/>
+              <a:rPr lang="ru-RU" dirty="0" err="1"/>
               <a:t>ТекущийБоевой</a:t>
             </a:r>
             <a:r>
-              <a:rPr lang="en-US" dirty="0" smtClean="0"/>
+              <a:rPr lang="en-US" dirty="0"/>
               <a:t>NPC</a:t>
             </a:r>
             <a:r>
-              <a:rPr lang="ru-RU" dirty="0" smtClean="0"/>
-              <a:t> </a:t>
-            </a:r>
-            <a:r>
-              <a:rPr lang="ru-RU" dirty="0"/>
-              <a:t>= первый попавшийся </a:t>
-            </a:r>
-            <a:r>
-              <a:rPr lang="ru-RU" dirty="0" smtClean="0"/>
-              <a:t>Боевой</a:t>
-            </a:r>
-            <a:r>
-              <a:rPr lang="en-US" dirty="0" smtClean="0"/>
+              <a:rPr lang="ru-RU" dirty="0"/>
+              <a:t> = первый попавшийся Боевой</a:t>
+            </a:r>
+            <a:r>
+              <a:rPr lang="en-US" dirty="0"/>
               <a:t>NPC </a:t>
             </a:r>
             <a:r>
@@ -14204,18 +14507,17 @@
               <a:t>заставить </a:t>
             </a:r>
             <a:r>
-              <a:rPr lang="ru-RU" dirty="0" err="1" smtClean="0"/>
+              <a:rPr lang="ru-RU" dirty="0" err="1"/>
               <a:t>ТекущегоБоевого</a:t>
             </a:r>
             <a:r>
-              <a:rPr lang="en-US" dirty="0" smtClean="0"/>
+              <a:rPr lang="en-US" dirty="0"/>
               <a:t>NPC</a:t>
             </a:r>
             <a:r>
-              <a:rPr lang="ru-RU" dirty="0" smtClean="0"/>
+              <a:rPr lang="ru-RU" dirty="0"/>
               <a:t> Атаковать нужный объект</a:t>
             </a:r>
-            <a:endParaRPr lang="ru-RU" dirty="0"/>
           </a:p>
           <a:p>
             <a:pPr marL="914400" lvl="1" indent="-457200">
@@ -14223,32 +14525,24 @@
               <a:buAutoNum type="arabicPeriod"/>
             </a:pPr>
             <a:r>
-              <a:rPr lang="ru-RU" dirty="0" err="1" smtClean="0"/>
+              <a:rPr lang="ru-RU" dirty="0" err="1"/>
               <a:t>ТекущийБоевой</a:t>
             </a:r>
             <a:r>
-              <a:rPr lang="en-US" dirty="0" smtClean="0"/>
+              <a:rPr lang="en-US" dirty="0"/>
               <a:t>NPC</a:t>
             </a:r>
             <a:r>
-              <a:rPr lang="ru-RU" dirty="0" smtClean="0"/>
-              <a:t> </a:t>
-            </a:r>
-            <a:r>
-              <a:rPr lang="ru-RU" dirty="0"/>
-              <a:t>= следующий Боевой</a:t>
+              <a:rPr lang="ru-RU" dirty="0"/>
+              <a:t> = следующий Боевой</a:t>
             </a:r>
             <a:r>
               <a:rPr lang="en-US" dirty="0"/>
               <a:t>NPC </a:t>
             </a:r>
             <a:r>
-              <a:rPr lang="ru-RU" dirty="0" smtClean="0"/>
-              <a:t>из </a:t>
-            </a:r>
-            <a:r>
-              <a:rPr lang="ru-RU" dirty="0"/>
-              <a:t>Отряда</a:t>
+              <a:rPr lang="ru-RU" dirty="0"/>
+              <a:t>из Отряда</a:t>
             </a:r>
           </a:p>
           <a:p>
@@ -14258,40 +14552,36 @@
             </a:pPr>
             <a:r>
               <a:rPr lang="ru-RU" dirty="0"/>
-              <a:t>Если Отряд еще не закончился – идем к п. 2</a:t>
-            </a:r>
-            <a:r>
-              <a:rPr lang="ru-RU" dirty="0" smtClean="0"/>
-              <a:t>.</a:t>
-            </a:r>
-          </a:p>
-          <a:p>
-            <a:r>
-              <a:rPr lang="ru-RU" dirty="0" smtClean="0"/>
+              <a:t>Если Отряд еще не закончился – идем к п. 2.</a:t>
+            </a:r>
+          </a:p>
+          <a:p>
+            <a:r>
+              <a:rPr lang="ru-RU" dirty="0"/>
               <a:t>И тут нас ждет суровая встреча с реальностью:</a:t>
             </a:r>
-            <a:endParaRPr lang="ru-RU" dirty="0" smtClean="0">
+            <a:endParaRPr lang="ru-RU" dirty="0">
               <a:sym typeface="Wingdings" panose="05000000000000000000" pitchFamily="2" charset="2"/>
             </a:endParaRPr>
           </a:p>
           <a:p>
             <a:pPr lvl="1"/>
             <a:r>
-              <a:rPr lang="ru-RU" dirty="0" smtClean="0">
+              <a:rPr lang="ru-RU" dirty="0">
                 <a:sym typeface="Wingdings" panose="05000000000000000000" pitchFamily="2" charset="2"/>
               </a:rPr>
               <a:t>Компилятор может повести себя НЕПОЛИМОРФНО – и вызовет метод Атаковать класса </a:t>
             </a:r>
             <a:r>
-              <a:rPr lang="ru-RU" dirty="0" smtClean="0"/>
+              <a:rPr lang="ru-RU" dirty="0"/>
               <a:t>Боевой</a:t>
             </a:r>
             <a:r>
-              <a:rPr lang="en-US" dirty="0" smtClean="0"/>
+              <a:rPr lang="en-US" dirty="0"/>
               <a:t>NPC</a:t>
             </a:r>
             <a:r>
-              <a:rPr lang="ru-RU" dirty="0" smtClean="0"/>
+              <a:rPr lang="ru-RU" dirty="0"/>
               <a:t> (по непосредственному типу) – и ничего не произойдет (т.к. мы его не определяли)</a:t>
             </a:r>
           </a:p>
@@ -14301,59 +14591,27 @@
               <a:rPr lang="ru-RU" dirty="0">
                 <a:sym typeface="Wingdings" panose="05000000000000000000" pitchFamily="2" charset="2"/>
               </a:rPr>
-              <a:t>Компилятор может повести себя </a:t>
-            </a:r>
-            <a:r>
-              <a:rPr lang="ru-RU" dirty="0" smtClean="0">
-                <a:sym typeface="Wingdings" panose="05000000000000000000" pitchFamily="2" charset="2"/>
-              </a:rPr>
-              <a:t>ПОЛИМОРФНО </a:t>
+              <a:t>Компилятор может повести себя ПОЛИМОРФНО – и вызовет переопределенный метод Атаковать класса </a:t>
+            </a:r>
+            <a:r>
+              <a:rPr lang="ru-RU" dirty="0"/>
+              <a:t>Лучник/Мечник (понял настоящий тип объекта) – произойдет атака соответствующего типа (удар или стрельба). </a:t>
+            </a:r>
+          </a:p>
+          <a:p>
+            <a:pPr lvl="1"/>
+            <a:r>
+              <a:rPr lang="ru-RU" dirty="0"/>
+              <a:t>Тем, как именно поведет себя компилятор – мы можем управлять (смотрите в следующих сериях </a:t>
             </a:r>
             <a:r>
               <a:rPr lang="ru-RU" dirty="0">
                 <a:sym typeface="Wingdings" panose="05000000000000000000" pitchFamily="2" charset="2"/>
               </a:rPr>
-              <a:t>– и вызовет </a:t>
-            </a:r>
-            <a:r>
-              <a:rPr lang="ru-RU" dirty="0" smtClean="0">
-                <a:sym typeface="Wingdings" panose="05000000000000000000" pitchFamily="2" charset="2"/>
-              </a:rPr>
-              <a:t>переопределенный метод </a:t>
-            </a:r>
-            <a:r>
-              <a:rPr lang="ru-RU" dirty="0">
-                <a:sym typeface="Wingdings" panose="05000000000000000000" pitchFamily="2" charset="2"/>
-              </a:rPr>
-              <a:t>Атаковать класса </a:t>
-            </a:r>
-            <a:r>
-              <a:rPr lang="ru-RU" dirty="0" smtClean="0"/>
-              <a:t>Лучник/Мечник (понял настоящий тип объекта) </a:t>
-            </a:r>
-            <a:r>
-              <a:rPr lang="ru-RU" dirty="0"/>
-              <a:t>– </a:t>
-            </a:r>
-            <a:r>
-              <a:rPr lang="ru-RU" dirty="0" smtClean="0"/>
-              <a:t>произойдет атака соответствующего типа (удар или стрельба). </a:t>
-            </a:r>
-          </a:p>
-          <a:p>
-            <a:pPr lvl="1"/>
-            <a:r>
-              <a:rPr lang="ru-RU" dirty="0" smtClean="0"/>
-              <a:t>Тем, как именно поведет себя компилятор – мы можем управлять (смотрите в следующих сериях </a:t>
-            </a:r>
-            <a:r>
-              <a:rPr lang="ru-RU" dirty="0" smtClean="0">
-                <a:sym typeface="Wingdings" panose="05000000000000000000" pitchFamily="2" charset="2"/>
-              </a:rPr>
               <a:t></a:t>
             </a:r>
             <a:r>
-              <a:rPr lang="ru-RU" dirty="0" smtClean="0"/>
+              <a:rPr lang="ru-RU" dirty="0"/>
               <a:t>)</a:t>
             </a:r>
             <a:endParaRPr lang="en-US" dirty="0"/>
@@ -14370,13 +14628,6 @@
   <p:clrMapOvr>
     <a:masterClrMapping/>
   </p:clrMapOvr>
-  <p:timing>
-    <p:tnLst>
-      <p:par>
-        <p:cTn id="1" dur="indefinite" restart="never" nodeType="tmRoot"/>
-      </p:par>
-    </p:tnLst>
-  </p:timing>
 </p:sld>
 </file>
 
@@ -14475,13 +14726,6 @@
   <p:clrMapOvr>
     <a:masterClrMapping/>
   </p:clrMapOvr>
-  <p:timing>
-    <p:tnLst>
-      <p:par>
-        <p:cTn id="1" dur="indefinite" restart="never" nodeType="tmRoot"/>
-      </p:par>
-    </p:tnLst>
-  </p:timing>
 </p:sld>
 </file>
 
@@ -14542,45 +14786,36 @@
           <a:lstStyle/>
           <a:p>
             <a:r>
-              <a:rPr lang="ru-RU" dirty="0" smtClean="0"/>
+              <a:rPr lang="ru-RU" dirty="0"/>
               <a:t>Распределенные и многопоточные системы – истинный параллелизм</a:t>
             </a:r>
           </a:p>
           <a:p>
             <a:r>
-              <a:rPr lang="ru-RU" dirty="0" smtClean="0"/>
+              <a:rPr lang="ru-RU" dirty="0"/>
               <a:t>Наша любимая предметная область – игры:</a:t>
             </a:r>
           </a:p>
           <a:p>
             <a:pPr lvl="1"/>
             <a:r>
-              <a:rPr lang="ru-RU" dirty="0" smtClean="0"/>
+              <a:rPr lang="ru-RU" dirty="0"/>
               <a:t>Многие объекты должны быть активными – действовать, не только реагируя на действия игрока, но и самостоятельно.</a:t>
             </a:r>
           </a:p>
           <a:p>
             <a:pPr lvl="1"/>
             <a:r>
-              <a:rPr lang="ru-RU" dirty="0" smtClean="0"/>
+              <a:rPr lang="ru-RU" dirty="0"/>
               <a:t>Обычно объекты реализуют некоторое поведение как реакцию на приходящее сообщение (вызов функции объекта)</a:t>
             </a:r>
           </a:p>
           <a:p>
             <a:pPr lvl="1"/>
             <a:r>
-              <a:rPr lang="ru-RU" dirty="0" smtClean="0"/>
-              <a:t>Общепринятый подход - вводится понятие игрового цикла – некоего основного цикла, который по очереди перебирает объекты игрового мира, и дает им возможность «сделать ход</a:t>
-            </a:r>
-            <a:r>
-              <a:rPr lang="ru-RU" dirty="0"/>
-              <a:t>» – </a:t>
-            </a:r>
-            <a:r>
-              <a:rPr lang="ru-RU" dirty="0" smtClean="0"/>
-              <a:t>некое подобие коллективной многозадачности. </a:t>
-            </a:r>
-            <a:endParaRPr lang="ru-RU" dirty="0"/>
+              <a:rPr lang="ru-RU" dirty="0"/>
+              <a:t>Общепринятый подход - вводится понятие игрового цикла – некоего основного цикла, который по очереди перебирает объекты игрового мира, и дает им возможность «сделать ход» – некое подобие коллективной многозадачности. </a:t>
+            </a:r>
           </a:p>
         </p:txBody>
       </p:sp>
@@ -14594,13 +14829,6 @@
   <p:clrMapOvr>
     <a:masterClrMapping/>
   </p:clrMapOvr>
-  <p:timing>
-    <p:tnLst>
-      <p:par>
-        <p:cTn id="1" dur="indefinite" restart="never" nodeType="tmRoot"/>
-      </p:par>
-    </p:tnLst>
-  </p:timing>
 </p:sld>
 </file>
 
@@ -14646,14 +14874,10 @@
             </a:r>
             <a:r>
               <a:rPr lang="en-US" dirty="0"/>
-              <a:t>: </a:t>
-            </a:r>
-            <a:r>
-              <a:rPr lang="en-US" dirty="0" smtClean="0"/>
-              <a:t>1886 </a:t>
-            </a:r>
-            <a:r>
-              <a:rPr lang="ru-RU" dirty="0" smtClean="0"/>
+              <a:t>: 1886 </a:t>
+            </a:r>
+            <a:r>
+              <a:rPr lang="ru-RU" dirty="0"/>
               <a:t>г.</a:t>
             </a:r>
             <a:endParaRPr lang="en-US" dirty="0"/>
@@ -14723,13 +14947,6 @@
   <p:clrMapOvr>
     <a:masterClrMapping/>
   </p:clrMapOvr>
-  <p:timing>
-    <p:tnLst>
-      <p:par>
-        <p:cTn id="1" dur="indefinite" restart="never" nodeType="tmRoot"/>
-      </p:par>
-    </p:tnLst>
-  </p:timing>
 </p:sld>
 </file>
 
@@ -14885,13 +15102,6 @@
   <p:clrMapOvr>
     <a:masterClrMapping/>
   </p:clrMapOvr>
-  <p:timing>
-    <p:tnLst>
-      <p:par>
-        <p:cTn id="1" dur="indefinite" restart="never" nodeType="tmRoot"/>
-      </p:par>
-    </p:tnLst>
-  </p:timing>
 </p:sld>
 </file>
 
@@ -14956,34 +15166,30 @@
           <a:lstStyle/>
           <a:p>
             <a:r>
-              <a:rPr lang="ru-RU" dirty="0" smtClean="0"/>
+              <a:rPr lang="ru-RU" dirty="0"/>
               <a:t>Та же предметная область</a:t>
             </a:r>
           </a:p>
           <a:p>
             <a:pPr lvl="1"/>
             <a:r>
-              <a:rPr lang="ru-RU" dirty="0" smtClean="0"/>
+              <a:rPr lang="ru-RU" dirty="0"/>
               <a:t>Реализуем сохранение и загрузку состояния игрового мира и персонажей – повышаем уровень </a:t>
             </a:r>
             <a:r>
-              <a:rPr lang="ru-RU" dirty="0" err="1" smtClean="0"/>
+              <a:rPr lang="ru-RU" dirty="0" err="1"/>
               <a:t>персистентности</a:t>
             </a:r>
             <a:r>
-              <a:rPr lang="ru-RU" dirty="0" smtClean="0"/>
+              <a:rPr lang="ru-RU" dirty="0"/>
               <a:t> ряда объектов</a:t>
             </a:r>
           </a:p>
           <a:p>
             <a:pPr lvl="1"/>
             <a:r>
-              <a:rPr lang="ru-RU" dirty="0" smtClean="0"/>
-              <a:t>Часть объектов – летящие снаряды, например – нет смысла не то что сохранять в файл, а сохранять и в памяти после того, как они пролетят через игровое поля – их </a:t>
-            </a:r>
-            <a:r>
-              <a:rPr lang="ru-RU" dirty="0"/>
-              <a:t>необходимо уничтожать или </a:t>
+              <a:rPr lang="ru-RU" dirty="0"/>
+              <a:t>Часть объектов – летящие снаряды, например – нет смысла не то что сохранять в файл, а сохранять и в памяти после того, как они пролетят через игровое поля – их необходимо уничтожать или </a:t>
             </a:r>
             <a:r>
               <a:rPr lang="ru-RU" dirty="0" err="1"/>
@@ -14991,36 +15197,23 @@
             </a:r>
             <a:r>
               <a:rPr lang="ru-RU" dirty="0"/>
-              <a:t>, </a:t>
-            </a:r>
-            <a:r>
-              <a:rPr lang="ru-RU" dirty="0" smtClean="0"/>
-              <a:t>чтобы не засорять память.</a:t>
+              <a:t>, чтобы не засорять память.</a:t>
             </a:r>
           </a:p>
           <a:p>
             <a:pPr lvl="1"/>
             <a:r>
-              <a:rPr lang="ru-RU" dirty="0" smtClean="0"/>
+              <a:rPr lang="ru-RU" dirty="0"/>
               <a:t>У каждого объекта – свой жизненный цикл и уровень </a:t>
             </a:r>
             <a:r>
-              <a:rPr lang="ru-RU" dirty="0" err="1" smtClean="0"/>
+              <a:rPr lang="ru-RU" dirty="0" err="1"/>
               <a:t>персистентности</a:t>
             </a:r>
             <a:r>
-              <a:rPr lang="ru-RU" dirty="0" smtClean="0"/>
-              <a:t>, который надо </a:t>
-            </a:r>
-            <a:r>
-              <a:rPr lang="ru-RU" dirty="0" smtClean="0"/>
-              <a:t>определить </a:t>
-            </a:r>
-            <a:r>
-              <a:rPr lang="ru-RU" dirty="0" smtClean="0"/>
-              <a:t>на стадии проектирования.</a:t>
-            </a:r>
-            <a:endParaRPr lang="ru-RU" dirty="0"/>
+              <a:rPr lang="ru-RU" dirty="0"/>
+              <a:t>, который надо определить на стадии проектирования.</a:t>
+            </a:r>
           </a:p>
         </p:txBody>
       </p:sp>
@@ -15034,13 +15227,6 @@
   <p:clrMapOvr>
     <a:masterClrMapping/>
   </p:clrMapOvr>
-  <p:timing>
-    <p:tnLst>
-      <p:par>
-        <p:cTn id="1" dur="indefinite" restart="never" nodeType="tmRoot"/>
-      </p:par>
-    </p:tnLst>
-  </p:timing>
 </p:sld>
 </file>
 
@@ -15125,12 +15311,8 @@
           </a:p>
           <a:p>
             <a:r>
-              <a:rPr lang="ru-RU" dirty="0" smtClean="0"/>
-              <a:t>Абстрагирование </a:t>
-            </a:r>
-            <a:r>
-              <a:rPr lang="ru-RU" dirty="0"/>
-              <a:t>определяет существенные характеристики некоторого объекта, которые отличают его от всех других видов объектов и, таким образом, абстракция четко очерчивает концептуальную границу объекта с точки зрения наблюдателя.</a:t>
+              <a:rPr lang="ru-RU" dirty="0"/>
+              <a:t>Абстрагирование определяет существенные характеристики некоторого объекта, которые отличают его от всех других видов объектов и, таким образом, абстракция четко очерчивает концептуальную границу объекта с точки зрения наблюдателя.</a:t>
             </a:r>
           </a:p>
           <a:p>
@@ -15201,13 +15383,6 @@
   <p:clrMapOvr>
     <a:masterClrMapping/>
   </p:clrMapOvr>
-  <p:timing>
-    <p:tnLst>
-      <p:par>
-        <p:cTn id="1" dur="indefinite" restart="never" nodeType="tmRoot"/>
-      </p:par>
-    </p:tnLst>
-  </p:timing>
 </p:sld>
 </file>
 
@@ -15244,11 +15419,11 @@
           <a:lstStyle/>
           <a:p>
             <a:r>
-              <a:rPr lang="en-US" dirty="0" smtClean="0"/>
+              <a:rPr lang="en-US" dirty="0"/>
               <a:t>Mercedes-Benz</a:t>
             </a:r>
             <a:r>
-              <a:rPr lang="ru-RU" dirty="0" smtClean="0"/>
+              <a:rPr lang="ru-RU" dirty="0"/>
               <a:t> в наши дни</a:t>
             </a:r>
             <a:endParaRPr lang="en-US" dirty="0"/>
@@ -15397,7 +15572,7 @@
           <a:lstStyle/>
           <a:p>
             <a:r>
-              <a:rPr lang="ru-RU" sz="7200" dirty="0" smtClean="0">
+              <a:rPr lang="ru-RU" sz="7200" dirty="0">
                 <a:solidFill>
                   <a:srgbClr val="FF0000"/>
                 </a:solidFill>
@@ -15541,7 +15716,7 @@
           <a:lstStyle/>
           <a:p>
             <a:r>
-              <a:rPr lang="ru-RU" dirty="0" smtClean="0"/>
+              <a:rPr lang="ru-RU" dirty="0"/>
               <a:t>Декомпозиция и абстрагирование</a:t>
             </a:r>
             <a:endParaRPr lang="en-US" dirty="0"/>
@@ -15566,50 +15741,42 @@
           <a:lstStyle/>
           <a:p>
             <a:r>
-              <a:rPr lang="ru-RU" dirty="0" smtClean="0"/>
+              <a:rPr lang="ru-RU" dirty="0"/>
               <a:t>«Разделяй и властвуй»</a:t>
             </a:r>
           </a:p>
           <a:p>
             <a:r>
-              <a:rPr lang="ru-RU" dirty="0" smtClean="0"/>
+              <a:rPr lang="ru-RU" dirty="0"/>
               <a:t>Основной принцип в борьбе со сложностью – если что-то кажется слишком сложным – разбивай его на составляющие до тех пор, пока составляющие не станут достаточно простыми.</a:t>
             </a:r>
           </a:p>
           <a:p>
             <a:r>
-              <a:rPr lang="ru-RU" dirty="0" smtClean="0"/>
+              <a:rPr lang="ru-RU" dirty="0"/>
               <a:t>Каждую такую составляющую назовем </a:t>
             </a:r>
             <a:r>
-              <a:rPr lang="ru-RU" b="1" dirty="0" smtClean="0"/>
+              <a:rPr lang="ru-RU" b="1" dirty="0"/>
               <a:t>объектом </a:t>
             </a:r>
           </a:p>
           <a:p>
             <a:pPr lvl="1"/>
             <a:r>
-              <a:rPr lang="ru-RU" dirty="0" smtClean="0"/>
+              <a:rPr lang="ru-RU" dirty="0"/>
               <a:t>Терминология из философии</a:t>
             </a:r>
           </a:p>
           <a:p>
             <a:pPr lvl="2"/>
             <a:r>
-              <a:rPr lang="ru-RU" b="1" dirty="0" smtClean="0"/>
+              <a:rPr lang="ru-RU" b="1" dirty="0"/>
               <a:t>Субъект</a:t>
             </a:r>
             <a:r>
-              <a:rPr lang="ru-RU" dirty="0" smtClean="0"/>
-              <a:t> – носитель </a:t>
-            </a:r>
-            <a:r>
-              <a:rPr lang="ru-RU" dirty="0"/>
-              <a:t>деятельности, сознания и </a:t>
-            </a:r>
-            <a:r>
-              <a:rPr lang="ru-RU" dirty="0" smtClean="0"/>
-              <a:t>познания, действующее лицо</a:t>
+              <a:rPr lang="ru-RU" dirty="0"/>
+              <a:t> – носитель деятельности, сознания и познания, действующее лицо</a:t>
             </a:r>
           </a:p>
           <a:p>
@@ -15620,28 +15787,16 @@
             </a:r>
             <a:r>
               <a:rPr lang="ru-RU" dirty="0"/>
-              <a:t> </a:t>
-            </a:r>
-            <a:r>
-              <a:rPr lang="ru-RU" dirty="0" smtClean="0"/>
-              <a:t>– вещь</a:t>
-            </a:r>
-            <a:r>
-              <a:rPr lang="ru-RU" dirty="0"/>
-              <a:t>, явление или процесс, на которые направлена предметно-практическая, управляющая и познавательная деятельность </a:t>
-            </a:r>
-            <a:r>
-              <a:rPr lang="ru-RU" dirty="0" smtClean="0"/>
-              <a:t>субъекта</a:t>
-            </a:r>
-          </a:p>
-          <a:p>
-            <a:r>
-              <a:rPr lang="ru-RU" b="1" dirty="0" smtClean="0"/>
+              <a:t> – вещь, явление или процесс, на которые направлена предметно-практическая, управляющая и познавательная деятельность субъекта</a:t>
+            </a:r>
+          </a:p>
+          <a:p>
+            <a:r>
+              <a:rPr lang="ru-RU" b="1" dirty="0"/>
               <a:t>Абстрагирование</a:t>
             </a:r>
             <a:r>
-              <a:rPr lang="ru-RU" dirty="0" smtClean="0"/>
+              <a:rPr lang="ru-RU" dirty="0"/>
               <a:t> (отделение) – это выделение таких объектов на нужном уровне детализации. </a:t>
             </a:r>
           </a:p>
@@ -15660,13 +15815,6 @@
   <p:clrMapOvr>
     <a:masterClrMapping/>
   </p:clrMapOvr>
-  <p:timing>
-    <p:tnLst>
-      <p:par>
-        <p:cTn id="1" dur="indefinite" restart="never" nodeType="tmRoot"/>
-      </p:par>
-    </p:tnLst>
-  </p:timing>
 </p:sld>
 </file>
 
@@ -15703,7 +15851,7 @@
           <a:lstStyle/>
           <a:p>
             <a:r>
-              <a:rPr lang="ru-RU" dirty="0" smtClean="0"/>
+              <a:rPr lang="ru-RU" dirty="0"/>
               <a:t>ДВС как объект. Интерфейс и реализация</a:t>
             </a:r>
             <a:endParaRPr lang="en-US" dirty="0"/>
@@ -15776,7 +15924,7 @@
           <a:p>
             <a:pPr algn="ctr"/>
             <a:r>
-              <a:rPr lang="ru-RU" dirty="0" smtClean="0"/>
+              <a:rPr lang="ru-RU" dirty="0"/>
               <a:t>Выхлоп</a:t>
             </a:r>
             <a:endParaRPr lang="en-US" dirty="0"/>
@@ -15820,7 +15968,7 @@
           <a:p>
             <a:pPr algn="ctr"/>
             <a:r>
-              <a:rPr lang="ru-RU" dirty="0" smtClean="0"/>
+              <a:rPr lang="ru-RU" dirty="0"/>
               <a:t>Механическая энергия</a:t>
             </a:r>
             <a:endParaRPr lang="en-US" dirty="0"/>
@@ -15864,7 +16012,7 @@
           <a:p>
             <a:pPr algn="ctr"/>
             <a:r>
-              <a:rPr lang="ru-RU" dirty="0" smtClean="0"/>
+              <a:rPr lang="ru-RU" dirty="0"/>
               <a:t>Управляющий сигнал</a:t>
             </a:r>
             <a:endParaRPr lang="en-US" dirty="0"/>
@@ -15908,7 +16056,7 @@
           <a:p>
             <a:pPr algn="ctr"/>
             <a:r>
-              <a:rPr lang="ru-RU" dirty="0" smtClean="0"/>
+              <a:rPr lang="ru-RU" dirty="0"/>
               <a:t> Топливо и воздух</a:t>
             </a:r>
             <a:endParaRPr lang="en-US" dirty="0"/>
@@ -15938,7 +16086,7 @@
           <a:lstStyle/>
           <a:p>
             <a:r>
-              <a:rPr lang="ru-RU" dirty="0" smtClean="0"/>
+              <a:rPr lang="ru-RU" dirty="0"/>
               <a:t>Интерфейс</a:t>
             </a:r>
             <a:endParaRPr lang="en-US" dirty="0"/>
@@ -15968,7 +16116,7 @@
           <a:lstStyle/>
           <a:p>
             <a:r>
-              <a:rPr lang="ru-RU" dirty="0" smtClean="0"/>
+              <a:rPr lang="ru-RU" dirty="0"/>
               <a:t>Реализация</a:t>
             </a:r>
             <a:endParaRPr lang="en-US" dirty="0"/>
@@ -16152,13 +16300,6 @@
   <p:clrMapOvr>
     <a:masterClrMapping/>
   </p:clrMapOvr>
-  <p:timing>
-    <p:tnLst>
-      <p:par>
-        <p:cTn id="1" dur="indefinite" restart="never" nodeType="tmRoot"/>
-      </p:par>
-    </p:tnLst>
-  </p:timing>
 </p:sld>
 </file>
 
@@ -16195,7 +16336,7 @@
           <a:lstStyle/>
           <a:p>
             <a:r>
-              <a:rPr lang="ru-RU" dirty="0" smtClean="0"/>
+              <a:rPr lang="ru-RU" dirty="0"/>
               <a:t>Инкапсуляция</a:t>
             </a:r>
             <a:endParaRPr lang="en-US" dirty="0"/>
@@ -16220,41 +16361,41 @@
           <a:lstStyle/>
           <a:p>
             <a:r>
-              <a:rPr lang="ru-RU" dirty="0" smtClean="0"/>
+              <a:rPr lang="ru-RU" dirty="0"/>
               <a:t>Если мы знаем точный интерфейс объекта и знаем, что объект на 100% реализует этот интерфейс – то реализация нам уже не особо интересна. </a:t>
             </a:r>
           </a:p>
           <a:p>
             <a:r>
-              <a:rPr lang="ru-RU" dirty="0" smtClean="0"/>
+              <a:rPr lang="ru-RU" dirty="0"/>
               <a:t>Мы абстрагируемся</a:t>
             </a:r>
             <a:r>
-              <a:rPr lang="ru-RU" b="1" dirty="0" smtClean="0"/>
+              <a:rPr lang="ru-RU" b="1" dirty="0"/>
               <a:t> </a:t>
             </a:r>
             <a:r>
-              <a:rPr lang="ru-RU" dirty="0" smtClean="0"/>
+              <a:rPr lang="ru-RU" dirty="0"/>
               <a:t>от деталей реализации, имеем дело не с конкретным объектом, а с абстракцией.</a:t>
             </a:r>
           </a:p>
           <a:p>
             <a:r>
-              <a:rPr lang="ru-RU" dirty="0" smtClean="0"/>
+              <a:rPr lang="ru-RU" dirty="0"/>
               <a:t>Мы перекладываем заботы о реализации абстракции на кого-то другого, а сами лишь пользуемся ею как «черным ящиком» - таким образом упрощая себе жизнь.</a:t>
             </a:r>
           </a:p>
           <a:p>
             <a:r>
-              <a:rPr lang="ru-RU" dirty="0" smtClean="0"/>
+              <a:rPr lang="ru-RU" dirty="0"/>
               <a:t>Процесс сокрытия деталей реализации в «черном ящике» называется </a:t>
             </a:r>
             <a:r>
-              <a:rPr lang="ru-RU" b="1" dirty="0" smtClean="0"/>
+              <a:rPr lang="ru-RU" b="1" dirty="0"/>
               <a:t>инкапсуляцией</a:t>
             </a:r>
             <a:r>
-              <a:rPr lang="ru-RU" dirty="0" smtClean="0"/>
+              <a:rPr lang="ru-RU" dirty="0"/>
               <a:t>.</a:t>
             </a:r>
           </a:p>
@@ -16276,13 +16417,6 @@
   <p:clrMapOvr>
     <a:masterClrMapping/>
   </p:clrMapOvr>
-  <p:timing>
-    <p:tnLst>
-      <p:par>
-        <p:cTn id="1" dur="indefinite" restart="never" nodeType="tmRoot"/>
-      </p:par>
-    </p:tnLst>
-  </p:timing>
 </p:sld>
 </file>
 
